--- a/Šifrování JŽ.pptx
+++ b/Šifrování JŽ.pptx
@@ -4,12 +4,19 @@
   <p:sldMasterIdLst>
     <p:sldMasterId id="2147483648" r:id="rId1"/>
   </p:sldMasterIdLst>
+  <p:notesMasterIdLst>
+    <p:notesMasterId r:id="rId11"/>
+  </p:notesMasterIdLst>
   <p:sldIdLst>
     <p:sldId id="256" r:id="rId2"/>
     <p:sldId id="257" r:id="rId3"/>
     <p:sldId id="258" r:id="rId4"/>
     <p:sldId id="259" r:id="rId5"/>
     <p:sldId id="260" r:id="rId6"/>
+    <p:sldId id="261" r:id="rId7"/>
+    <p:sldId id="262" r:id="rId8"/>
+    <p:sldId id="263" r:id="rId9"/>
+    <p:sldId id="264" r:id="rId10"/>
   </p:sldIdLst>
   <p:sldSz cx="12192000" cy="6858000"/>
   <p:notesSz cx="6858000" cy="9144000"/>
@@ -108,7 +115,853 @@
       </a:defRPr>
     </a:lvl9pPr>
   </p:defaultTextStyle>
+  <p:extLst>
+    <p:ext uri="{EFAFB233-063F-42B5-8137-9DF3F51BA10A}">
+      <p15:sldGuideLst xmlns:p15="http://schemas.microsoft.com/office/powerpoint/2012/main"/>
+    </p:ext>
+  </p:extLst>
 </p:presentation>
+</file>
+
+<file path=ppt/notesMasters/notesMaster1.xml><?xml version="1.0" encoding="utf-8"?>
+<p:notesMaster xmlns:a="http://schemas.openxmlformats.org/drawingml/2006/main" xmlns:r="http://schemas.openxmlformats.org/officeDocument/2006/relationships" xmlns:p="http://schemas.openxmlformats.org/presentationml/2006/main">
+  <p:cSld>
+    <p:bg>
+      <p:bgRef idx="1001">
+        <a:schemeClr val="bg1"/>
+      </p:bgRef>
+    </p:bg>
+    <p:spTree>
+      <p:nvGrpSpPr>
+        <p:cNvPr id="1" name=""/>
+        <p:cNvGrpSpPr/>
+        <p:nvPr/>
+      </p:nvGrpSpPr>
+      <p:grpSpPr>
+        <a:xfrm>
+          <a:off x="0" y="0"/>
+          <a:ext cx="0" cy="0"/>
+          <a:chOff x="0" y="0"/>
+          <a:chExt cx="0" cy="0"/>
+        </a:xfrm>
+      </p:grpSpPr>
+      <p:sp>
+        <p:nvSpPr>
+          <p:cNvPr id="2" name="Zástupný symbol pro záhlaví 1"/>
+          <p:cNvSpPr>
+            <a:spLocks noGrp="1"/>
+          </p:cNvSpPr>
+          <p:nvPr>
+            <p:ph type="hdr" sz="quarter"/>
+          </p:nvPr>
+        </p:nvSpPr>
+        <p:spPr>
+          <a:xfrm>
+            <a:off x="0" y="0"/>
+            <a:ext cx="2971800" cy="458788"/>
+          </a:xfrm>
+          <a:prstGeom prst="rect">
+            <a:avLst/>
+          </a:prstGeom>
+        </p:spPr>
+        <p:txBody>
+          <a:bodyPr vert="horz" lIns="91440" tIns="45720" rIns="91440" bIns="45720" rtlCol="0"/>
+          <a:lstStyle>
+            <a:lvl1pPr algn="l">
+              <a:defRPr sz="1200"/>
+            </a:lvl1pPr>
+          </a:lstStyle>
+          <a:p>
+            <a:endParaRPr lang="cs-CZ"/>
+          </a:p>
+        </p:txBody>
+      </p:sp>
+      <p:sp>
+        <p:nvSpPr>
+          <p:cNvPr id="3" name="Zástupný symbol pro datum 2"/>
+          <p:cNvSpPr>
+            <a:spLocks noGrp="1"/>
+          </p:cNvSpPr>
+          <p:nvPr>
+            <p:ph type="dt" idx="1"/>
+          </p:nvPr>
+        </p:nvSpPr>
+        <p:spPr>
+          <a:xfrm>
+            <a:off x="3884613" y="0"/>
+            <a:ext cx="2971800" cy="458788"/>
+          </a:xfrm>
+          <a:prstGeom prst="rect">
+            <a:avLst/>
+          </a:prstGeom>
+        </p:spPr>
+        <p:txBody>
+          <a:bodyPr vert="horz" lIns="91440" tIns="45720" rIns="91440" bIns="45720" rtlCol="0"/>
+          <a:lstStyle>
+            <a:lvl1pPr algn="r">
+              <a:defRPr sz="1200"/>
+            </a:lvl1pPr>
+          </a:lstStyle>
+          <a:p>
+            <a:fld id="{D0DBE76F-E478-4CDF-9F04-A8F47C386855}" type="datetimeFigureOut">
+              <a:rPr lang="cs-CZ" smtClean="0"/>
+              <a:t>09.12.2022</a:t>
+            </a:fld>
+            <a:endParaRPr lang="cs-CZ"/>
+          </a:p>
+        </p:txBody>
+      </p:sp>
+      <p:sp>
+        <p:nvSpPr>
+          <p:cNvPr id="4" name="Zástupný symbol pro obrázek snímku 3"/>
+          <p:cNvSpPr>
+            <a:spLocks noGrp="1" noRot="1" noChangeAspect="1"/>
+          </p:cNvSpPr>
+          <p:nvPr>
+            <p:ph type="sldImg" idx="2"/>
+          </p:nvPr>
+        </p:nvSpPr>
+        <p:spPr>
+          <a:xfrm>
+            <a:off x="685800" y="1143000"/>
+            <a:ext cx="5486400" cy="3086100"/>
+          </a:xfrm>
+          <a:prstGeom prst="rect">
+            <a:avLst/>
+          </a:prstGeom>
+          <a:noFill/>
+          <a:ln w="12700">
+            <a:solidFill>
+              <a:prstClr val="black"/>
+            </a:solidFill>
+          </a:ln>
+        </p:spPr>
+        <p:txBody>
+          <a:bodyPr vert="horz" lIns="91440" tIns="45720" rIns="91440" bIns="45720" rtlCol="0" anchor="ctr"/>
+          <a:lstStyle/>
+          <a:p>
+            <a:endParaRPr lang="cs-CZ"/>
+          </a:p>
+        </p:txBody>
+      </p:sp>
+      <p:sp>
+        <p:nvSpPr>
+          <p:cNvPr id="5" name="Zástupný symbol pro poznámky 4"/>
+          <p:cNvSpPr>
+            <a:spLocks noGrp="1"/>
+          </p:cNvSpPr>
+          <p:nvPr>
+            <p:ph type="body" sz="quarter" idx="3"/>
+          </p:nvPr>
+        </p:nvSpPr>
+        <p:spPr>
+          <a:xfrm>
+            <a:off x="685800" y="4400550"/>
+            <a:ext cx="5486400" cy="3600450"/>
+          </a:xfrm>
+          <a:prstGeom prst="rect">
+            <a:avLst/>
+          </a:prstGeom>
+        </p:spPr>
+        <p:txBody>
+          <a:bodyPr vert="horz" lIns="91440" tIns="45720" rIns="91440" bIns="45720" rtlCol="0"/>
+          <a:lstStyle/>
+          <a:p>
+            <a:pPr lvl="0"/>
+            <a:r>
+              <a:rPr lang="cs-CZ"/>
+              <a:t>Po kliknutí můžete upravovat styly textu v předloze.</a:t>
+            </a:r>
+          </a:p>
+          <a:p>
+            <a:pPr lvl="1"/>
+            <a:r>
+              <a:rPr lang="cs-CZ"/>
+              <a:t>Druhá úroveň</a:t>
+            </a:r>
+          </a:p>
+          <a:p>
+            <a:pPr lvl="2"/>
+            <a:r>
+              <a:rPr lang="cs-CZ"/>
+              <a:t>Třetí úroveň</a:t>
+            </a:r>
+          </a:p>
+          <a:p>
+            <a:pPr lvl="3"/>
+            <a:r>
+              <a:rPr lang="cs-CZ"/>
+              <a:t>Čtvrtá úroveň</a:t>
+            </a:r>
+          </a:p>
+          <a:p>
+            <a:pPr lvl="4"/>
+            <a:r>
+              <a:rPr lang="cs-CZ"/>
+              <a:t>Pátá úroveň</a:t>
+            </a:r>
+          </a:p>
+        </p:txBody>
+      </p:sp>
+      <p:sp>
+        <p:nvSpPr>
+          <p:cNvPr id="6" name="Zástupný symbol pro zápatí 5"/>
+          <p:cNvSpPr>
+            <a:spLocks noGrp="1"/>
+          </p:cNvSpPr>
+          <p:nvPr>
+            <p:ph type="ftr" sz="quarter" idx="4"/>
+          </p:nvPr>
+        </p:nvSpPr>
+        <p:spPr>
+          <a:xfrm>
+            <a:off x="0" y="8685213"/>
+            <a:ext cx="2971800" cy="458787"/>
+          </a:xfrm>
+          <a:prstGeom prst="rect">
+            <a:avLst/>
+          </a:prstGeom>
+        </p:spPr>
+        <p:txBody>
+          <a:bodyPr vert="horz" lIns="91440" tIns="45720" rIns="91440" bIns="45720" rtlCol="0" anchor="b"/>
+          <a:lstStyle>
+            <a:lvl1pPr algn="l">
+              <a:defRPr sz="1200"/>
+            </a:lvl1pPr>
+          </a:lstStyle>
+          <a:p>
+            <a:endParaRPr lang="cs-CZ"/>
+          </a:p>
+        </p:txBody>
+      </p:sp>
+      <p:sp>
+        <p:nvSpPr>
+          <p:cNvPr id="7" name="Zástupný symbol pro číslo snímku 6"/>
+          <p:cNvSpPr>
+            <a:spLocks noGrp="1"/>
+          </p:cNvSpPr>
+          <p:nvPr>
+            <p:ph type="sldNum" sz="quarter" idx="5"/>
+          </p:nvPr>
+        </p:nvSpPr>
+        <p:spPr>
+          <a:xfrm>
+            <a:off x="3884613" y="8685213"/>
+            <a:ext cx="2971800" cy="458787"/>
+          </a:xfrm>
+          <a:prstGeom prst="rect">
+            <a:avLst/>
+          </a:prstGeom>
+        </p:spPr>
+        <p:txBody>
+          <a:bodyPr vert="horz" lIns="91440" tIns="45720" rIns="91440" bIns="45720" rtlCol="0" anchor="b"/>
+          <a:lstStyle>
+            <a:lvl1pPr algn="r">
+              <a:defRPr sz="1200"/>
+            </a:lvl1pPr>
+          </a:lstStyle>
+          <a:p>
+            <a:fld id="{5E36BCEB-5E76-43F9-8350-7C65F3BB3CA7}" type="slidenum">
+              <a:rPr lang="cs-CZ" smtClean="0"/>
+              <a:t>‹#›</a:t>
+            </a:fld>
+            <a:endParaRPr lang="cs-CZ"/>
+          </a:p>
+        </p:txBody>
+      </p:sp>
+    </p:spTree>
+    <p:extLst>
+      <p:ext uri="{BB962C8B-B14F-4D97-AF65-F5344CB8AC3E}">
+        <p14:creationId xmlns:p14="http://schemas.microsoft.com/office/powerpoint/2010/main" val="1804916039"/>
+      </p:ext>
+    </p:extLst>
+  </p:cSld>
+  <p:clrMap bg1="lt1" tx1="dk1" bg2="lt2" tx2="dk2" accent1="accent1" accent2="accent2" accent3="accent3" accent4="accent4" accent5="accent5" accent6="accent6" hlink="hlink" folHlink="folHlink"/>
+  <p:notesStyle>
+    <a:lvl1pPr marL="0" algn="l" defTabSz="914400" rtl="0" eaLnBrk="1" latinLnBrk="0" hangingPunct="1">
+      <a:defRPr sz="1200" kern="1200">
+        <a:solidFill>
+          <a:schemeClr val="tx1"/>
+        </a:solidFill>
+        <a:latin typeface="+mn-lt"/>
+        <a:ea typeface="+mn-ea"/>
+        <a:cs typeface="+mn-cs"/>
+      </a:defRPr>
+    </a:lvl1pPr>
+    <a:lvl2pPr marL="457200" algn="l" defTabSz="914400" rtl="0" eaLnBrk="1" latinLnBrk="0" hangingPunct="1">
+      <a:defRPr sz="1200" kern="1200">
+        <a:solidFill>
+          <a:schemeClr val="tx1"/>
+        </a:solidFill>
+        <a:latin typeface="+mn-lt"/>
+        <a:ea typeface="+mn-ea"/>
+        <a:cs typeface="+mn-cs"/>
+      </a:defRPr>
+    </a:lvl2pPr>
+    <a:lvl3pPr marL="914400" algn="l" defTabSz="914400" rtl="0" eaLnBrk="1" latinLnBrk="0" hangingPunct="1">
+      <a:defRPr sz="1200" kern="1200">
+        <a:solidFill>
+          <a:schemeClr val="tx1"/>
+        </a:solidFill>
+        <a:latin typeface="+mn-lt"/>
+        <a:ea typeface="+mn-ea"/>
+        <a:cs typeface="+mn-cs"/>
+      </a:defRPr>
+    </a:lvl3pPr>
+    <a:lvl4pPr marL="1371600" algn="l" defTabSz="914400" rtl="0" eaLnBrk="1" latinLnBrk="0" hangingPunct="1">
+      <a:defRPr sz="1200" kern="1200">
+        <a:solidFill>
+          <a:schemeClr val="tx1"/>
+        </a:solidFill>
+        <a:latin typeface="+mn-lt"/>
+        <a:ea typeface="+mn-ea"/>
+        <a:cs typeface="+mn-cs"/>
+      </a:defRPr>
+    </a:lvl4pPr>
+    <a:lvl5pPr marL="1828800" algn="l" defTabSz="914400" rtl="0" eaLnBrk="1" latinLnBrk="0" hangingPunct="1">
+      <a:defRPr sz="1200" kern="1200">
+        <a:solidFill>
+          <a:schemeClr val="tx1"/>
+        </a:solidFill>
+        <a:latin typeface="+mn-lt"/>
+        <a:ea typeface="+mn-ea"/>
+        <a:cs typeface="+mn-cs"/>
+      </a:defRPr>
+    </a:lvl5pPr>
+    <a:lvl6pPr marL="2286000" algn="l" defTabSz="914400" rtl="0" eaLnBrk="1" latinLnBrk="0" hangingPunct="1">
+      <a:defRPr sz="1200" kern="1200">
+        <a:solidFill>
+          <a:schemeClr val="tx1"/>
+        </a:solidFill>
+        <a:latin typeface="+mn-lt"/>
+        <a:ea typeface="+mn-ea"/>
+        <a:cs typeface="+mn-cs"/>
+      </a:defRPr>
+    </a:lvl6pPr>
+    <a:lvl7pPr marL="2743200" algn="l" defTabSz="914400" rtl="0" eaLnBrk="1" latinLnBrk="0" hangingPunct="1">
+      <a:defRPr sz="1200" kern="1200">
+        <a:solidFill>
+          <a:schemeClr val="tx1"/>
+        </a:solidFill>
+        <a:latin typeface="+mn-lt"/>
+        <a:ea typeface="+mn-ea"/>
+        <a:cs typeface="+mn-cs"/>
+      </a:defRPr>
+    </a:lvl7pPr>
+    <a:lvl8pPr marL="3200400" algn="l" defTabSz="914400" rtl="0" eaLnBrk="1" latinLnBrk="0" hangingPunct="1">
+      <a:defRPr sz="1200" kern="1200">
+        <a:solidFill>
+          <a:schemeClr val="tx1"/>
+        </a:solidFill>
+        <a:latin typeface="+mn-lt"/>
+        <a:ea typeface="+mn-ea"/>
+        <a:cs typeface="+mn-cs"/>
+      </a:defRPr>
+    </a:lvl8pPr>
+    <a:lvl9pPr marL="3657600" algn="l" defTabSz="914400" rtl="0" eaLnBrk="1" latinLnBrk="0" hangingPunct="1">
+      <a:defRPr sz="1200" kern="1200">
+        <a:solidFill>
+          <a:schemeClr val="tx1"/>
+        </a:solidFill>
+        <a:latin typeface="+mn-lt"/>
+        <a:ea typeface="+mn-ea"/>
+        <a:cs typeface="+mn-cs"/>
+      </a:defRPr>
+    </a:lvl9pPr>
+  </p:notesStyle>
+</p:notesMaster>
+</file>
+
+<file path=ppt/notesSlides/notesSlide1.xml><?xml version="1.0" encoding="utf-8"?>
+<p:notes xmlns:a="http://schemas.openxmlformats.org/drawingml/2006/main" xmlns:r="http://schemas.openxmlformats.org/officeDocument/2006/relationships" xmlns:p="http://schemas.openxmlformats.org/presentationml/2006/main">
+  <p:cSld>
+    <p:spTree>
+      <p:nvGrpSpPr>
+        <p:cNvPr id="1" name=""/>
+        <p:cNvGrpSpPr/>
+        <p:nvPr/>
+      </p:nvGrpSpPr>
+      <p:grpSpPr>
+        <a:xfrm>
+          <a:off x="0" y="0"/>
+          <a:ext cx="0" cy="0"/>
+          <a:chOff x="0" y="0"/>
+          <a:chExt cx="0" cy="0"/>
+        </a:xfrm>
+      </p:grpSpPr>
+      <p:sp>
+        <p:nvSpPr>
+          <p:cNvPr id="2" name="Zástupný symbol pro obrázek snímku 1"/>
+          <p:cNvSpPr>
+            <a:spLocks noGrp="1" noRot="1" noChangeAspect="1"/>
+          </p:cNvSpPr>
+          <p:nvPr>
+            <p:ph type="sldImg"/>
+          </p:nvPr>
+        </p:nvSpPr>
+        <p:spPr/>
+      </p:sp>
+      <p:sp>
+        <p:nvSpPr>
+          <p:cNvPr id="3" name="Zástupný symbol pro poznámky 2"/>
+          <p:cNvSpPr>
+            <a:spLocks noGrp="1"/>
+          </p:cNvSpPr>
+          <p:nvPr>
+            <p:ph type="body" idx="1"/>
+          </p:nvPr>
+        </p:nvSpPr>
+        <p:spPr/>
+        <p:txBody>
+          <a:bodyPr/>
+          <a:lstStyle/>
+          <a:p>
+            <a:r>
+              <a:rPr lang="cs-CZ" dirty="0"/>
+              <a:t>Představit se, říct svoje jméno</a:t>
+            </a:r>
+          </a:p>
+        </p:txBody>
+      </p:sp>
+      <p:sp>
+        <p:nvSpPr>
+          <p:cNvPr id="4" name="Zástupný symbol pro číslo snímku 3"/>
+          <p:cNvSpPr>
+            <a:spLocks noGrp="1"/>
+          </p:cNvSpPr>
+          <p:nvPr>
+            <p:ph type="sldNum" sz="quarter" idx="5"/>
+          </p:nvPr>
+        </p:nvSpPr>
+        <p:spPr/>
+        <p:txBody>
+          <a:bodyPr/>
+          <a:lstStyle/>
+          <a:p>
+            <a:fld id="{5E36BCEB-5E76-43F9-8350-7C65F3BB3CA7}" type="slidenum">
+              <a:rPr lang="cs-CZ" smtClean="0"/>
+              <a:t>1</a:t>
+            </a:fld>
+            <a:endParaRPr lang="cs-CZ"/>
+          </a:p>
+        </p:txBody>
+      </p:sp>
+    </p:spTree>
+    <p:extLst>
+      <p:ext uri="{BB962C8B-B14F-4D97-AF65-F5344CB8AC3E}">
+        <p14:creationId xmlns:p14="http://schemas.microsoft.com/office/powerpoint/2010/main" val="2488473798"/>
+      </p:ext>
+    </p:extLst>
+  </p:cSld>
+  <p:clrMapOvr>
+    <a:masterClrMapping/>
+  </p:clrMapOvr>
+</p:notes>
+</file>
+
+<file path=ppt/notesSlides/notesSlide2.xml><?xml version="1.0" encoding="utf-8"?>
+<p:notes xmlns:a="http://schemas.openxmlformats.org/drawingml/2006/main" xmlns:r="http://schemas.openxmlformats.org/officeDocument/2006/relationships" xmlns:p="http://schemas.openxmlformats.org/presentationml/2006/main">
+  <p:cSld>
+    <p:spTree>
+      <p:nvGrpSpPr>
+        <p:cNvPr id="1" name=""/>
+        <p:cNvGrpSpPr/>
+        <p:nvPr/>
+      </p:nvGrpSpPr>
+      <p:grpSpPr>
+        <a:xfrm>
+          <a:off x="0" y="0"/>
+          <a:ext cx="0" cy="0"/>
+          <a:chOff x="0" y="0"/>
+          <a:chExt cx="0" cy="0"/>
+        </a:xfrm>
+      </p:grpSpPr>
+      <p:sp>
+        <p:nvSpPr>
+          <p:cNvPr id="2" name="Zástupný symbol pro obrázek snímku 1"/>
+          <p:cNvSpPr>
+            <a:spLocks noGrp="1" noRot="1" noChangeAspect="1"/>
+          </p:cNvSpPr>
+          <p:nvPr>
+            <p:ph type="sldImg"/>
+          </p:nvPr>
+        </p:nvSpPr>
+        <p:spPr/>
+      </p:sp>
+      <p:sp>
+        <p:nvSpPr>
+          <p:cNvPr id="3" name="Zástupný symbol pro poznámky 2"/>
+          <p:cNvSpPr>
+            <a:spLocks noGrp="1"/>
+          </p:cNvSpPr>
+          <p:nvPr>
+            <p:ph type="body" idx="1"/>
+          </p:nvPr>
+        </p:nvSpPr>
+        <p:spPr/>
+        <p:txBody>
+          <a:bodyPr/>
+          <a:lstStyle/>
+          <a:p>
+            <a:r>
+              <a:rPr lang="cs-CZ" dirty="0"/>
+              <a:t>Dodat možnost </a:t>
+            </a:r>
+            <a:r>
+              <a:rPr lang="cs-CZ" dirty="0" err="1"/>
+              <a:t>crackování</a:t>
+            </a:r>
+            <a:r>
+              <a:rPr lang="cs-CZ" dirty="0"/>
+              <a:t> k „v rámci možností bezpečné“, ke kódování dodat morseovka, </a:t>
+            </a:r>
+            <a:r>
+              <a:rPr lang="cs-CZ" dirty="0" err="1"/>
+              <a:t>brailovo</a:t>
+            </a:r>
+            <a:r>
+              <a:rPr lang="cs-CZ" dirty="0"/>
+              <a:t> písmo, světelné signály</a:t>
+            </a:r>
+          </a:p>
+        </p:txBody>
+      </p:sp>
+      <p:sp>
+        <p:nvSpPr>
+          <p:cNvPr id="4" name="Zástupný symbol pro číslo snímku 3"/>
+          <p:cNvSpPr>
+            <a:spLocks noGrp="1"/>
+          </p:cNvSpPr>
+          <p:nvPr>
+            <p:ph type="sldNum" sz="quarter" idx="5"/>
+          </p:nvPr>
+        </p:nvSpPr>
+        <p:spPr/>
+        <p:txBody>
+          <a:bodyPr/>
+          <a:lstStyle/>
+          <a:p>
+            <a:fld id="{5E36BCEB-5E76-43F9-8350-7C65F3BB3CA7}" type="slidenum">
+              <a:rPr lang="cs-CZ" smtClean="0"/>
+              <a:t>2</a:t>
+            </a:fld>
+            <a:endParaRPr lang="cs-CZ"/>
+          </a:p>
+        </p:txBody>
+      </p:sp>
+    </p:spTree>
+    <p:extLst>
+      <p:ext uri="{BB962C8B-B14F-4D97-AF65-F5344CB8AC3E}">
+        <p14:creationId xmlns:p14="http://schemas.microsoft.com/office/powerpoint/2010/main" val="3379613626"/>
+      </p:ext>
+    </p:extLst>
+  </p:cSld>
+  <p:clrMapOvr>
+    <a:masterClrMapping/>
+  </p:clrMapOvr>
+</p:notes>
+</file>
+
+<file path=ppt/notesSlides/notesSlide3.xml><?xml version="1.0" encoding="utf-8"?>
+<p:notes xmlns:a="http://schemas.openxmlformats.org/drawingml/2006/main" xmlns:r="http://schemas.openxmlformats.org/officeDocument/2006/relationships" xmlns:p="http://schemas.openxmlformats.org/presentationml/2006/main">
+  <p:cSld>
+    <p:spTree>
+      <p:nvGrpSpPr>
+        <p:cNvPr id="1" name=""/>
+        <p:cNvGrpSpPr/>
+        <p:nvPr/>
+      </p:nvGrpSpPr>
+      <p:grpSpPr>
+        <a:xfrm>
+          <a:off x="0" y="0"/>
+          <a:ext cx="0" cy="0"/>
+          <a:chOff x="0" y="0"/>
+          <a:chExt cx="0" cy="0"/>
+        </a:xfrm>
+      </p:grpSpPr>
+      <p:sp>
+        <p:nvSpPr>
+          <p:cNvPr id="2" name="Zástupný symbol pro obrázek snímku 1"/>
+          <p:cNvSpPr>
+            <a:spLocks noGrp="1" noRot="1" noChangeAspect="1"/>
+          </p:cNvSpPr>
+          <p:nvPr>
+            <p:ph type="sldImg"/>
+          </p:nvPr>
+        </p:nvSpPr>
+        <p:spPr/>
+      </p:sp>
+      <p:sp>
+        <p:nvSpPr>
+          <p:cNvPr id="3" name="Zástupný symbol pro poznámky 2"/>
+          <p:cNvSpPr>
+            <a:spLocks noGrp="1"/>
+          </p:cNvSpPr>
+          <p:nvPr>
+            <p:ph type="body" idx="1"/>
+          </p:nvPr>
+        </p:nvSpPr>
+        <p:spPr/>
+        <p:txBody>
+          <a:bodyPr/>
+          <a:lstStyle/>
+          <a:p>
+            <a:r>
+              <a:rPr lang="cs-CZ" dirty="0"/>
+              <a:t>Kryptografie – pojem - vysvětlení</a:t>
+            </a:r>
+          </a:p>
+        </p:txBody>
+      </p:sp>
+      <p:sp>
+        <p:nvSpPr>
+          <p:cNvPr id="4" name="Zástupný symbol pro číslo snímku 3"/>
+          <p:cNvSpPr>
+            <a:spLocks noGrp="1"/>
+          </p:cNvSpPr>
+          <p:nvPr>
+            <p:ph type="sldNum" sz="quarter" idx="5"/>
+          </p:nvPr>
+        </p:nvSpPr>
+        <p:spPr/>
+        <p:txBody>
+          <a:bodyPr/>
+          <a:lstStyle/>
+          <a:p>
+            <a:fld id="{5E36BCEB-5E76-43F9-8350-7C65F3BB3CA7}" type="slidenum">
+              <a:rPr lang="cs-CZ" smtClean="0"/>
+              <a:t>3</a:t>
+            </a:fld>
+            <a:endParaRPr lang="cs-CZ"/>
+          </a:p>
+        </p:txBody>
+      </p:sp>
+    </p:spTree>
+    <p:extLst>
+      <p:ext uri="{BB962C8B-B14F-4D97-AF65-F5344CB8AC3E}">
+        <p14:creationId xmlns:p14="http://schemas.microsoft.com/office/powerpoint/2010/main" val="2354108747"/>
+      </p:ext>
+    </p:extLst>
+  </p:cSld>
+  <p:clrMapOvr>
+    <a:masterClrMapping/>
+  </p:clrMapOvr>
+</p:notes>
+</file>
+
+<file path=ppt/notesSlides/notesSlide4.xml><?xml version="1.0" encoding="utf-8"?>
+<p:notes xmlns:a="http://schemas.openxmlformats.org/drawingml/2006/main" xmlns:r="http://schemas.openxmlformats.org/officeDocument/2006/relationships" xmlns:p="http://schemas.openxmlformats.org/presentationml/2006/main">
+  <p:cSld>
+    <p:spTree>
+      <p:nvGrpSpPr>
+        <p:cNvPr id="1" name=""/>
+        <p:cNvGrpSpPr/>
+        <p:nvPr/>
+      </p:nvGrpSpPr>
+      <p:grpSpPr>
+        <a:xfrm>
+          <a:off x="0" y="0"/>
+          <a:ext cx="0" cy="0"/>
+          <a:chOff x="0" y="0"/>
+          <a:chExt cx="0" cy="0"/>
+        </a:xfrm>
+      </p:grpSpPr>
+      <p:sp>
+        <p:nvSpPr>
+          <p:cNvPr id="2" name="Zástupný symbol pro obrázek snímku 1"/>
+          <p:cNvSpPr>
+            <a:spLocks noGrp="1" noRot="1" noChangeAspect="1"/>
+          </p:cNvSpPr>
+          <p:nvPr>
+            <p:ph type="sldImg"/>
+          </p:nvPr>
+        </p:nvSpPr>
+        <p:spPr/>
+      </p:sp>
+      <p:sp>
+        <p:nvSpPr>
+          <p:cNvPr id="3" name="Zástupný symbol pro poznámky 2"/>
+          <p:cNvSpPr>
+            <a:spLocks noGrp="1"/>
+          </p:cNvSpPr>
+          <p:nvPr>
+            <p:ph type="body" idx="1"/>
+          </p:nvPr>
+        </p:nvSpPr>
+        <p:spPr/>
+        <p:txBody>
+          <a:bodyPr/>
+          <a:lstStyle/>
+          <a:p>
+            <a:r>
+              <a:rPr lang="cs-CZ" dirty="0"/>
+              <a:t>Vysvětlit 26 kombinací, </a:t>
+            </a:r>
+            <a:r>
+              <a:rPr lang="cs-CZ" dirty="0" err="1"/>
+              <a:t>vig</a:t>
+            </a:r>
+            <a:r>
+              <a:rPr lang="cs-CZ" dirty="0"/>
+              <a:t>. Šifra na dalším slidu</a:t>
+            </a:r>
+          </a:p>
+        </p:txBody>
+      </p:sp>
+      <p:sp>
+        <p:nvSpPr>
+          <p:cNvPr id="4" name="Zástupný symbol pro číslo snímku 3"/>
+          <p:cNvSpPr>
+            <a:spLocks noGrp="1"/>
+          </p:cNvSpPr>
+          <p:nvPr>
+            <p:ph type="sldNum" sz="quarter" idx="5"/>
+          </p:nvPr>
+        </p:nvSpPr>
+        <p:spPr/>
+        <p:txBody>
+          <a:bodyPr/>
+          <a:lstStyle/>
+          <a:p>
+            <a:fld id="{5E36BCEB-5E76-43F9-8350-7C65F3BB3CA7}" type="slidenum">
+              <a:rPr lang="cs-CZ" smtClean="0"/>
+              <a:t>4</a:t>
+            </a:fld>
+            <a:endParaRPr lang="cs-CZ"/>
+          </a:p>
+        </p:txBody>
+      </p:sp>
+    </p:spTree>
+    <p:extLst>
+      <p:ext uri="{BB962C8B-B14F-4D97-AF65-F5344CB8AC3E}">
+        <p14:creationId xmlns:p14="http://schemas.microsoft.com/office/powerpoint/2010/main" val="3890520592"/>
+      </p:ext>
+    </p:extLst>
+  </p:cSld>
+  <p:clrMapOvr>
+    <a:masterClrMapping/>
+  </p:clrMapOvr>
+</p:notes>
+</file>
+
+<file path=ppt/notesSlides/notesSlide5.xml><?xml version="1.0" encoding="utf-8"?>
+<p:notes xmlns:a="http://schemas.openxmlformats.org/drawingml/2006/main" xmlns:r="http://schemas.openxmlformats.org/officeDocument/2006/relationships" xmlns:p="http://schemas.openxmlformats.org/presentationml/2006/main">
+  <p:cSld>
+    <p:spTree>
+      <p:nvGrpSpPr>
+        <p:cNvPr id="1" name=""/>
+        <p:cNvGrpSpPr/>
+        <p:nvPr/>
+      </p:nvGrpSpPr>
+      <p:grpSpPr>
+        <a:xfrm>
+          <a:off x="0" y="0"/>
+          <a:ext cx="0" cy="0"/>
+          <a:chOff x="0" y="0"/>
+          <a:chExt cx="0" cy="0"/>
+        </a:xfrm>
+      </p:grpSpPr>
+      <p:sp>
+        <p:nvSpPr>
+          <p:cNvPr id="2" name="Zástupný symbol pro obrázek snímku 1"/>
+          <p:cNvSpPr>
+            <a:spLocks noGrp="1" noRot="1" noChangeAspect="1"/>
+          </p:cNvSpPr>
+          <p:nvPr>
+            <p:ph type="sldImg"/>
+          </p:nvPr>
+        </p:nvSpPr>
+        <p:spPr/>
+      </p:sp>
+      <p:sp>
+        <p:nvSpPr>
+          <p:cNvPr id="3" name="Zástupný symbol pro poznámky 2"/>
+          <p:cNvSpPr>
+            <a:spLocks noGrp="1"/>
+          </p:cNvSpPr>
+          <p:nvPr>
+            <p:ph type="body" idx="1"/>
+          </p:nvPr>
+        </p:nvSpPr>
+        <p:spPr/>
+        <p:txBody>
+          <a:bodyPr/>
+          <a:lstStyle/>
+          <a:p>
+            <a:r>
+              <a:rPr lang="cs-CZ" dirty="0" err="1"/>
+              <a:t>One</a:t>
+            </a:r>
+            <a:r>
+              <a:rPr lang="cs-CZ" dirty="0"/>
+              <a:t> </a:t>
+            </a:r>
+            <a:r>
+              <a:rPr lang="cs-CZ" dirty="0" err="1"/>
+              <a:t>time</a:t>
+            </a:r>
+            <a:r>
+              <a:rPr lang="cs-CZ" dirty="0"/>
+              <a:t> </a:t>
+            </a:r>
+            <a:r>
+              <a:rPr lang="cs-CZ" dirty="0" err="1"/>
+              <a:t>pad</a:t>
+            </a:r>
+            <a:r>
+              <a:rPr lang="cs-CZ" dirty="0"/>
+              <a:t> – stejně dlouhý </a:t>
+            </a:r>
+            <a:r>
+              <a:rPr lang="cs-CZ" dirty="0" err="1"/>
+              <a:t>plain</a:t>
+            </a:r>
+            <a:r>
+              <a:rPr lang="cs-CZ" dirty="0"/>
+              <a:t> i </a:t>
+            </a:r>
+            <a:r>
+              <a:rPr lang="cs-CZ" dirty="0" err="1"/>
+              <a:t>key</a:t>
+            </a:r>
+            <a:endParaRPr lang="cs-CZ" dirty="0"/>
+          </a:p>
+        </p:txBody>
+      </p:sp>
+      <p:sp>
+        <p:nvSpPr>
+          <p:cNvPr id="4" name="Zástupný symbol pro číslo snímku 3"/>
+          <p:cNvSpPr>
+            <a:spLocks noGrp="1"/>
+          </p:cNvSpPr>
+          <p:nvPr>
+            <p:ph type="sldNum" sz="quarter" idx="5"/>
+          </p:nvPr>
+        </p:nvSpPr>
+        <p:spPr/>
+        <p:txBody>
+          <a:bodyPr/>
+          <a:lstStyle/>
+          <a:p>
+            <a:fld id="{5E36BCEB-5E76-43F9-8350-7C65F3BB3CA7}" type="slidenum">
+              <a:rPr lang="cs-CZ" smtClean="0"/>
+              <a:t>5</a:t>
+            </a:fld>
+            <a:endParaRPr lang="cs-CZ"/>
+          </a:p>
+        </p:txBody>
+      </p:sp>
+    </p:spTree>
+    <p:extLst>
+      <p:ext uri="{BB962C8B-B14F-4D97-AF65-F5344CB8AC3E}">
+        <p14:creationId xmlns:p14="http://schemas.microsoft.com/office/powerpoint/2010/main" val="846193464"/>
+      </p:ext>
+    </p:extLst>
+  </p:cSld>
+  <p:clrMapOvr>
+    <a:masterClrMapping/>
+  </p:clrMapOvr>
+</p:notes>
 </file>
 
 <file path=ppt/slideLayouts/slideLayout1.xml><?xml version="1.0" encoding="utf-8"?>
@@ -3654,6 +4507,802 @@
   <p:transition spd="slow">
     <p:push dir="u"/>
   </p:transition>
+  <p:timing>
+    <p:tnLst>
+      <p:par>
+        <p:cTn id="1" dur="indefinite" restart="never" nodeType="tmRoot">
+          <p:childTnLst>
+            <p:seq concurrent="1" nextAc="seek">
+              <p:cTn id="2" dur="indefinite" nodeType="mainSeq">
+                <p:childTnLst>
+                  <p:par>
+                    <p:cTn id="3" fill="hold">
+                      <p:stCondLst>
+                        <p:cond delay="indefinite"/>
+                        <p:cond evt="onBegin" delay="0">
+                          <p:tn val="2"/>
+                        </p:cond>
+                      </p:stCondLst>
+                      <p:childTnLst>
+                        <p:par>
+                          <p:cTn id="4" fill="hold">
+                            <p:stCondLst>
+                              <p:cond delay="0"/>
+                            </p:stCondLst>
+                            <p:childTnLst>
+                              <p:par>
+                                <p:cTn id="5" presetID="6" presetClass="entr" presetSubtype="16" fill="hold" grpId="0" nodeType="withEffect">
+                                  <p:stCondLst>
+                                    <p:cond delay="0"/>
+                                  </p:stCondLst>
+                                  <p:childTnLst>
+                                    <p:set>
+                                      <p:cBhvr>
+                                        <p:cTn id="6" dur="1" fill="hold">
+                                          <p:stCondLst>
+                                            <p:cond delay="0"/>
+                                          </p:stCondLst>
+                                        </p:cTn>
+                                        <p:tgtEl>
+                                          <p:spTgt spid="2"/>
+                                        </p:tgtEl>
+                                        <p:attrNameLst>
+                                          <p:attrName>style.visibility</p:attrName>
+                                        </p:attrNameLst>
+                                      </p:cBhvr>
+                                      <p:to>
+                                        <p:strVal val="visible"/>
+                                      </p:to>
+                                    </p:set>
+                                    <p:animEffect transition="in" filter="circle(in)">
+                                      <p:cBhvr>
+                                        <p:cTn id="7" dur="2000"/>
+                                        <p:tgtEl>
+                                          <p:spTgt spid="2"/>
+                                        </p:tgtEl>
+                                      </p:cBhvr>
+                                    </p:animEffect>
+                                  </p:childTnLst>
+                                </p:cTn>
+                              </p:par>
+                            </p:childTnLst>
+                          </p:cTn>
+                        </p:par>
+                      </p:childTnLst>
+                    </p:cTn>
+                  </p:par>
+                  <p:par>
+                    <p:cTn id="8" fill="hold">
+                      <p:stCondLst>
+                        <p:cond delay="indefinite"/>
+                      </p:stCondLst>
+                      <p:childTnLst>
+                        <p:par>
+                          <p:cTn id="9" fill="hold">
+                            <p:stCondLst>
+                              <p:cond delay="0"/>
+                            </p:stCondLst>
+                            <p:childTnLst>
+                              <p:par>
+                                <p:cTn id="10" presetID="2" presetClass="entr" presetSubtype="4" fill="hold" grpId="0" nodeType="clickEffect">
+                                  <p:stCondLst>
+                                    <p:cond delay="0"/>
+                                  </p:stCondLst>
+                                  <p:childTnLst>
+                                    <p:set>
+                                      <p:cBhvr>
+                                        <p:cTn id="11" dur="1" fill="hold">
+                                          <p:stCondLst>
+                                            <p:cond delay="0"/>
+                                          </p:stCondLst>
+                                        </p:cTn>
+                                        <p:tgtEl>
+                                          <p:spTgt spid="4">
+                                            <p:txEl>
+                                              <p:pRg st="0" end="0"/>
+                                            </p:txEl>
+                                          </p:spTgt>
+                                        </p:tgtEl>
+                                        <p:attrNameLst>
+                                          <p:attrName>style.visibility</p:attrName>
+                                        </p:attrNameLst>
+                                      </p:cBhvr>
+                                      <p:to>
+                                        <p:strVal val="visible"/>
+                                      </p:to>
+                                    </p:set>
+                                    <p:anim calcmode="lin" valueType="num">
+                                      <p:cBhvr additive="base">
+                                        <p:cTn id="12" dur="500" fill="hold"/>
+                                        <p:tgtEl>
+                                          <p:spTgt spid="4">
+                                            <p:txEl>
+                                              <p:pRg st="0" end="0"/>
+                                            </p:txEl>
+                                          </p:spTgt>
+                                        </p:tgtEl>
+                                        <p:attrNameLst>
+                                          <p:attrName>ppt_x</p:attrName>
+                                        </p:attrNameLst>
+                                      </p:cBhvr>
+                                      <p:tavLst>
+                                        <p:tav tm="0">
+                                          <p:val>
+                                            <p:strVal val="#ppt_x"/>
+                                          </p:val>
+                                        </p:tav>
+                                        <p:tav tm="100000">
+                                          <p:val>
+                                            <p:strVal val="#ppt_x"/>
+                                          </p:val>
+                                        </p:tav>
+                                      </p:tavLst>
+                                    </p:anim>
+                                    <p:anim calcmode="lin" valueType="num">
+                                      <p:cBhvr additive="base">
+                                        <p:cTn id="13" dur="500" fill="hold"/>
+                                        <p:tgtEl>
+                                          <p:spTgt spid="4">
+                                            <p:txEl>
+                                              <p:pRg st="0" end="0"/>
+                                            </p:txEl>
+                                          </p:spTgt>
+                                        </p:tgtEl>
+                                        <p:attrNameLst>
+                                          <p:attrName>ppt_y</p:attrName>
+                                        </p:attrNameLst>
+                                      </p:cBhvr>
+                                      <p:tavLst>
+                                        <p:tav tm="0">
+                                          <p:val>
+                                            <p:strVal val="1+#ppt_h/2"/>
+                                          </p:val>
+                                        </p:tav>
+                                        <p:tav tm="100000">
+                                          <p:val>
+                                            <p:strVal val="#ppt_y"/>
+                                          </p:val>
+                                        </p:tav>
+                                      </p:tavLst>
+                                    </p:anim>
+                                  </p:childTnLst>
+                                </p:cTn>
+                              </p:par>
+                              <p:par>
+                                <p:cTn id="14" presetID="2" presetClass="entr" presetSubtype="4" fill="hold" grpId="0" nodeType="withEffect">
+                                  <p:stCondLst>
+                                    <p:cond delay="0"/>
+                                  </p:stCondLst>
+                                  <p:childTnLst>
+                                    <p:set>
+                                      <p:cBhvr>
+                                        <p:cTn id="15" dur="1" fill="hold">
+                                          <p:stCondLst>
+                                            <p:cond delay="0"/>
+                                          </p:stCondLst>
+                                        </p:cTn>
+                                        <p:tgtEl>
+                                          <p:spTgt spid="6">
+                                            <p:txEl>
+                                              <p:pRg st="0" end="0"/>
+                                            </p:txEl>
+                                          </p:spTgt>
+                                        </p:tgtEl>
+                                        <p:attrNameLst>
+                                          <p:attrName>style.visibility</p:attrName>
+                                        </p:attrNameLst>
+                                      </p:cBhvr>
+                                      <p:to>
+                                        <p:strVal val="visible"/>
+                                      </p:to>
+                                    </p:set>
+                                    <p:anim calcmode="lin" valueType="num">
+                                      <p:cBhvr additive="base">
+                                        <p:cTn id="16" dur="500" fill="hold"/>
+                                        <p:tgtEl>
+                                          <p:spTgt spid="6">
+                                            <p:txEl>
+                                              <p:pRg st="0" end="0"/>
+                                            </p:txEl>
+                                          </p:spTgt>
+                                        </p:tgtEl>
+                                        <p:attrNameLst>
+                                          <p:attrName>ppt_x</p:attrName>
+                                        </p:attrNameLst>
+                                      </p:cBhvr>
+                                      <p:tavLst>
+                                        <p:tav tm="0">
+                                          <p:val>
+                                            <p:strVal val="#ppt_x"/>
+                                          </p:val>
+                                        </p:tav>
+                                        <p:tav tm="100000">
+                                          <p:val>
+                                            <p:strVal val="#ppt_x"/>
+                                          </p:val>
+                                        </p:tav>
+                                      </p:tavLst>
+                                    </p:anim>
+                                    <p:anim calcmode="lin" valueType="num">
+                                      <p:cBhvr additive="base">
+                                        <p:cTn id="17" dur="500" fill="hold"/>
+                                        <p:tgtEl>
+                                          <p:spTgt spid="6">
+                                            <p:txEl>
+                                              <p:pRg st="0" end="0"/>
+                                            </p:txEl>
+                                          </p:spTgt>
+                                        </p:tgtEl>
+                                        <p:attrNameLst>
+                                          <p:attrName>ppt_y</p:attrName>
+                                        </p:attrNameLst>
+                                      </p:cBhvr>
+                                      <p:tavLst>
+                                        <p:tav tm="0">
+                                          <p:val>
+                                            <p:strVal val="1+#ppt_h/2"/>
+                                          </p:val>
+                                        </p:tav>
+                                        <p:tav tm="100000">
+                                          <p:val>
+                                            <p:strVal val="#ppt_y"/>
+                                          </p:val>
+                                        </p:tav>
+                                      </p:tavLst>
+                                    </p:anim>
+                                  </p:childTnLst>
+                                </p:cTn>
+                              </p:par>
+                            </p:childTnLst>
+                          </p:cTn>
+                        </p:par>
+                      </p:childTnLst>
+                    </p:cTn>
+                  </p:par>
+                  <p:par>
+                    <p:cTn id="18" fill="hold">
+                      <p:stCondLst>
+                        <p:cond delay="indefinite"/>
+                      </p:stCondLst>
+                      <p:childTnLst>
+                        <p:par>
+                          <p:cTn id="19" fill="hold">
+                            <p:stCondLst>
+                              <p:cond delay="0"/>
+                            </p:stCondLst>
+                            <p:childTnLst>
+                              <p:par>
+                                <p:cTn id="20" presetID="2" presetClass="entr" presetSubtype="4" fill="hold" grpId="0" nodeType="clickEffect">
+                                  <p:stCondLst>
+                                    <p:cond delay="0"/>
+                                  </p:stCondLst>
+                                  <p:childTnLst>
+                                    <p:set>
+                                      <p:cBhvr>
+                                        <p:cTn id="21" dur="1" fill="hold">
+                                          <p:stCondLst>
+                                            <p:cond delay="0"/>
+                                          </p:stCondLst>
+                                        </p:cTn>
+                                        <p:tgtEl>
+                                          <p:spTgt spid="5">
+                                            <p:txEl>
+                                              <p:pRg st="0" end="0"/>
+                                            </p:txEl>
+                                          </p:spTgt>
+                                        </p:tgtEl>
+                                        <p:attrNameLst>
+                                          <p:attrName>style.visibility</p:attrName>
+                                        </p:attrNameLst>
+                                      </p:cBhvr>
+                                      <p:to>
+                                        <p:strVal val="visible"/>
+                                      </p:to>
+                                    </p:set>
+                                    <p:anim calcmode="lin" valueType="num">
+                                      <p:cBhvr additive="base">
+                                        <p:cTn id="22" dur="500" fill="hold"/>
+                                        <p:tgtEl>
+                                          <p:spTgt spid="5">
+                                            <p:txEl>
+                                              <p:pRg st="0" end="0"/>
+                                            </p:txEl>
+                                          </p:spTgt>
+                                        </p:tgtEl>
+                                        <p:attrNameLst>
+                                          <p:attrName>ppt_x</p:attrName>
+                                        </p:attrNameLst>
+                                      </p:cBhvr>
+                                      <p:tavLst>
+                                        <p:tav tm="0">
+                                          <p:val>
+                                            <p:strVal val="#ppt_x"/>
+                                          </p:val>
+                                        </p:tav>
+                                        <p:tav tm="100000">
+                                          <p:val>
+                                            <p:strVal val="#ppt_x"/>
+                                          </p:val>
+                                        </p:tav>
+                                      </p:tavLst>
+                                    </p:anim>
+                                    <p:anim calcmode="lin" valueType="num">
+                                      <p:cBhvr additive="base">
+                                        <p:cTn id="23" dur="500" fill="hold"/>
+                                        <p:tgtEl>
+                                          <p:spTgt spid="5">
+                                            <p:txEl>
+                                              <p:pRg st="0" end="0"/>
+                                            </p:txEl>
+                                          </p:spTgt>
+                                        </p:tgtEl>
+                                        <p:attrNameLst>
+                                          <p:attrName>ppt_y</p:attrName>
+                                        </p:attrNameLst>
+                                      </p:cBhvr>
+                                      <p:tavLst>
+                                        <p:tav tm="0">
+                                          <p:val>
+                                            <p:strVal val="1+#ppt_h/2"/>
+                                          </p:val>
+                                        </p:tav>
+                                        <p:tav tm="100000">
+                                          <p:val>
+                                            <p:strVal val="#ppt_y"/>
+                                          </p:val>
+                                        </p:tav>
+                                      </p:tavLst>
+                                    </p:anim>
+                                  </p:childTnLst>
+                                </p:cTn>
+                              </p:par>
+                            </p:childTnLst>
+                          </p:cTn>
+                        </p:par>
+                      </p:childTnLst>
+                    </p:cTn>
+                  </p:par>
+                  <p:par>
+                    <p:cTn id="24" fill="hold">
+                      <p:stCondLst>
+                        <p:cond delay="indefinite"/>
+                      </p:stCondLst>
+                      <p:childTnLst>
+                        <p:par>
+                          <p:cTn id="25" fill="hold">
+                            <p:stCondLst>
+                              <p:cond delay="0"/>
+                            </p:stCondLst>
+                            <p:childTnLst>
+                              <p:par>
+                                <p:cTn id="26" presetID="2" presetClass="entr" presetSubtype="4" fill="hold" grpId="0" nodeType="clickEffect">
+                                  <p:stCondLst>
+                                    <p:cond delay="0"/>
+                                  </p:stCondLst>
+                                  <p:childTnLst>
+                                    <p:set>
+                                      <p:cBhvr>
+                                        <p:cTn id="27" dur="1" fill="hold">
+                                          <p:stCondLst>
+                                            <p:cond delay="0"/>
+                                          </p:stCondLst>
+                                        </p:cTn>
+                                        <p:tgtEl>
+                                          <p:spTgt spid="5">
+                                            <p:txEl>
+                                              <p:pRg st="1" end="1"/>
+                                            </p:txEl>
+                                          </p:spTgt>
+                                        </p:tgtEl>
+                                        <p:attrNameLst>
+                                          <p:attrName>style.visibility</p:attrName>
+                                        </p:attrNameLst>
+                                      </p:cBhvr>
+                                      <p:to>
+                                        <p:strVal val="visible"/>
+                                      </p:to>
+                                    </p:set>
+                                    <p:anim calcmode="lin" valueType="num">
+                                      <p:cBhvr additive="base">
+                                        <p:cTn id="28" dur="500" fill="hold"/>
+                                        <p:tgtEl>
+                                          <p:spTgt spid="5">
+                                            <p:txEl>
+                                              <p:pRg st="1" end="1"/>
+                                            </p:txEl>
+                                          </p:spTgt>
+                                        </p:tgtEl>
+                                        <p:attrNameLst>
+                                          <p:attrName>ppt_x</p:attrName>
+                                        </p:attrNameLst>
+                                      </p:cBhvr>
+                                      <p:tavLst>
+                                        <p:tav tm="0">
+                                          <p:val>
+                                            <p:strVal val="#ppt_x"/>
+                                          </p:val>
+                                        </p:tav>
+                                        <p:tav tm="100000">
+                                          <p:val>
+                                            <p:strVal val="#ppt_x"/>
+                                          </p:val>
+                                        </p:tav>
+                                      </p:tavLst>
+                                    </p:anim>
+                                    <p:anim calcmode="lin" valueType="num">
+                                      <p:cBhvr additive="base">
+                                        <p:cTn id="29" dur="500" fill="hold"/>
+                                        <p:tgtEl>
+                                          <p:spTgt spid="5">
+                                            <p:txEl>
+                                              <p:pRg st="1" end="1"/>
+                                            </p:txEl>
+                                          </p:spTgt>
+                                        </p:tgtEl>
+                                        <p:attrNameLst>
+                                          <p:attrName>ppt_y</p:attrName>
+                                        </p:attrNameLst>
+                                      </p:cBhvr>
+                                      <p:tavLst>
+                                        <p:tav tm="0">
+                                          <p:val>
+                                            <p:strVal val="1+#ppt_h/2"/>
+                                          </p:val>
+                                        </p:tav>
+                                        <p:tav tm="100000">
+                                          <p:val>
+                                            <p:strVal val="#ppt_y"/>
+                                          </p:val>
+                                        </p:tav>
+                                      </p:tavLst>
+                                    </p:anim>
+                                  </p:childTnLst>
+                                </p:cTn>
+                              </p:par>
+                            </p:childTnLst>
+                          </p:cTn>
+                        </p:par>
+                      </p:childTnLst>
+                    </p:cTn>
+                  </p:par>
+                  <p:par>
+                    <p:cTn id="30" fill="hold">
+                      <p:stCondLst>
+                        <p:cond delay="indefinite"/>
+                      </p:stCondLst>
+                      <p:childTnLst>
+                        <p:par>
+                          <p:cTn id="31" fill="hold">
+                            <p:stCondLst>
+                              <p:cond delay="0"/>
+                            </p:stCondLst>
+                            <p:childTnLst>
+                              <p:par>
+                                <p:cTn id="32" presetID="2" presetClass="entr" presetSubtype="4" fill="hold" grpId="0" nodeType="clickEffect">
+                                  <p:stCondLst>
+                                    <p:cond delay="0"/>
+                                  </p:stCondLst>
+                                  <p:childTnLst>
+                                    <p:set>
+                                      <p:cBhvr>
+                                        <p:cTn id="33" dur="1" fill="hold">
+                                          <p:stCondLst>
+                                            <p:cond delay="0"/>
+                                          </p:stCondLst>
+                                        </p:cTn>
+                                        <p:tgtEl>
+                                          <p:spTgt spid="5">
+                                            <p:txEl>
+                                              <p:pRg st="2" end="2"/>
+                                            </p:txEl>
+                                          </p:spTgt>
+                                        </p:tgtEl>
+                                        <p:attrNameLst>
+                                          <p:attrName>style.visibility</p:attrName>
+                                        </p:attrNameLst>
+                                      </p:cBhvr>
+                                      <p:to>
+                                        <p:strVal val="visible"/>
+                                      </p:to>
+                                    </p:set>
+                                    <p:anim calcmode="lin" valueType="num">
+                                      <p:cBhvr additive="base">
+                                        <p:cTn id="34" dur="500" fill="hold"/>
+                                        <p:tgtEl>
+                                          <p:spTgt spid="5">
+                                            <p:txEl>
+                                              <p:pRg st="2" end="2"/>
+                                            </p:txEl>
+                                          </p:spTgt>
+                                        </p:tgtEl>
+                                        <p:attrNameLst>
+                                          <p:attrName>ppt_x</p:attrName>
+                                        </p:attrNameLst>
+                                      </p:cBhvr>
+                                      <p:tavLst>
+                                        <p:tav tm="0">
+                                          <p:val>
+                                            <p:strVal val="#ppt_x"/>
+                                          </p:val>
+                                        </p:tav>
+                                        <p:tav tm="100000">
+                                          <p:val>
+                                            <p:strVal val="#ppt_x"/>
+                                          </p:val>
+                                        </p:tav>
+                                      </p:tavLst>
+                                    </p:anim>
+                                    <p:anim calcmode="lin" valueType="num">
+                                      <p:cBhvr additive="base">
+                                        <p:cTn id="35" dur="500" fill="hold"/>
+                                        <p:tgtEl>
+                                          <p:spTgt spid="5">
+                                            <p:txEl>
+                                              <p:pRg st="2" end="2"/>
+                                            </p:txEl>
+                                          </p:spTgt>
+                                        </p:tgtEl>
+                                        <p:attrNameLst>
+                                          <p:attrName>ppt_y</p:attrName>
+                                        </p:attrNameLst>
+                                      </p:cBhvr>
+                                      <p:tavLst>
+                                        <p:tav tm="0">
+                                          <p:val>
+                                            <p:strVal val="1+#ppt_h/2"/>
+                                          </p:val>
+                                        </p:tav>
+                                        <p:tav tm="100000">
+                                          <p:val>
+                                            <p:strVal val="#ppt_y"/>
+                                          </p:val>
+                                        </p:tav>
+                                      </p:tavLst>
+                                    </p:anim>
+                                  </p:childTnLst>
+                                </p:cTn>
+                              </p:par>
+                            </p:childTnLst>
+                          </p:cTn>
+                        </p:par>
+                      </p:childTnLst>
+                    </p:cTn>
+                  </p:par>
+                  <p:par>
+                    <p:cTn id="36" fill="hold">
+                      <p:stCondLst>
+                        <p:cond delay="indefinite"/>
+                      </p:stCondLst>
+                      <p:childTnLst>
+                        <p:par>
+                          <p:cTn id="37" fill="hold">
+                            <p:stCondLst>
+                              <p:cond delay="0"/>
+                            </p:stCondLst>
+                            <p:childTnLst>
+                              <p:par>
+                                <p:cTn id="38" presetID="2" presetClass="entr" presetSubtype="4" fill="hold" grpId="0" nodeType="clickEffect">
+                                  <p:stCondLst>
+                                    <p:cond delay="0"/>
+                                  </p:stCondLst>
+                                  <p:childTnLst>
+                                    <p:set>
+                                      <p:cBhvr>
+                                        <p:cTn id="39" dur="1" fill="hold">
+                                          <p:stCondLst>
+                                            <p:cond delay="0"/>
+                                          </p:stCondLst>
+                                        </p:cTn>
+                                        <p:tgtEl>
+                                          <p:spTgt spid="7">
+                                            <p:txEl>
+                                              <p:pRg st="0" end="0"/>
+                                            </p:txEl>
+                                          </p:spTgt>
+                                        </p:tgtEl>
+                                        <p:attrNameLst>
+                                          <p:attrName>style.visibility</p:attrName>
+                                        </p:attrNameLst>
+                                      </p:cBhvr>
+                                      <p:to>
+                                        <p:strVal val="visible"/>
+                                      </p:to>
+                                    </p:set>
+                                    <p:anim calcmode="lin" valueType="num">
+                                      <p:cBhvr additive="base">
+                                        <p:cTn id="40" dur="500" fill="hold"/>
+                                        <p:tgtEl>
+                                          <p:spTgt spid="7">
+                                            <p:txEl>
+                                              <p:pRg st="0" end="0"/>
+                                            </p:txEl>
+                                          </p:spTgt>
+                                        </p:tgtEl>
+                                        <p:attrNameLst>
+                                          <p:attrName>ppt_x</p:attrName>
+                                        </p:attrNameLst>
+                                      </p:cBhvr>
+                                      <p:tavLst>
+                                        <p:tav tm="0">
+                                          <p:val>
+                                            <p:strVal val="#ppt_x"/>
+                                          </p:val>
+                                        </p:tav>
+                                        <p:tav tm="100000">
+                                          <p:val>
+                                            <p:strVal val="#ppt_x"/>
+                                          </p:val>
+                                        </p:tav>
+                                      </p:tavLst>
+                                    </p:anim>
+                                    <p:anim calcmode="lin" valueType="num">
+                                      <p:cBhvr additive="base">
+                                        <p:cTn id="41" dur="500" fill="hold"/>
+                                        <p:tgtEl>
+                                          <p:spTgt spid="7">
+                                            <p:txEl>
+                                              <p:pRg st="0" end="0"/>
+                                            </p:txEl>
+                                          </p:spTgt>
+                                        </p:tgtEl>
+                                        <p:attrNameLst>
+                                          <p:attrName>ppt_y</p:attrName>
+                                        </p:attrNameLst>
+                                      </p:cBhvr>
+                                      <p:tavLst>
+                                        <p:tav tm="0">
+                                          <p:val>
+                                            <p:strVal val="1+#ppt_h/2"/>
+                                          </p:val>
+                                        </p:tav>
+                                        <p:tav tm="100000">
+                                          <p:val>
+                                            <p:strVal val="#ppt_y"/>
+                                          </p:val>
+                                        </p:tav>
+                                      </p:tavLst>
+                                    </p:anim>
+                                  </p:childTnLst>
+                                </p:cTn>
+                              </p:par>
+                            </p:childTnLst>
+                          </p:cTn>
+                        </p:par>
+                      </p:childTnLst>
+                    </p:cTn>
+                  </p:par>
+                  <p:par>
+                    <p:cTn id="42" fill="hold">
+                      <p:stCondLst>
+                        <p:cond delay="indefinite"/>
+                      </p:stCondLst>
+                      <p:childTnLst>
+                        <p:par>
+                          <p:cTn id="43" fill="hold">
+                            <p:stCondLst>
+                              <p:cond delay="0"/>
+                            </p:stCondLst>
+                            <p:childTnLst>
+                              <p:par>
+                                <p:cTn id="44" presetID="2" presetClass="entr" presetSubtype="4" fill="hold" grpId="0" nodeType="clickEffect">
+                                  <p:stCondLst>
+                                    <p:cond delay="0"/>
+                                  </p:stCondLst>
+                                  <p:childTnLst>
+                                    <p:set>
+                                      <p:cBhvr>
+                                        <p:cTn id="45" dur="1" fill="hold">
+                                          <p:stCondLst>
+                                            <p:cond delay="0"/>
+                                          </p:stCondLst>
+                                        </p:cTn>
+                                        <p:tgtEl>
+                                          <p:spTgt spid="7">
+                                            <p:txEl>
+                                              <p:pRg st="1" end="1"/>
+                                            </p:txEl>
+                                          </p:spTgt>
+                                        </p:tgtEl>
+                                        <p:attrNameLst>
+                                          <p:attrName>style.visibility</p:attrName>
+                                        </p:attrNameLst>
+                                      </p:cBhvr>
+                                      <p:to>
+                                        <p:strVal val="visible"/>
+                                      </p:to>
+                                    </p:set>
+                                    <p:anim calcmode="lin" valueType="num">
+                                      <p:cBhvr additive="base">
+                                        <p:cTn id="46" dur="500" fill="hold"/>
+                                        <p:tgtEl>
+                                          <p:spTgt spid="7">
+                                            <p:txEl>
+                                              <p:pRg st="1" end="1"/>
+                                            </p:txEl>
+                                          </p:spTgt>
+                                        </p:tgtEl>
+                                        <p:attrNameLst>
+                                          <p:attrName>ppt_x</p:attrName>
+                                        </p:attrNameLst>
+                                      </p:cBhvr>
+                                      <p:tavLst>
+                                        <p:tav tm="0">
+                                          <p:val>
+                                            <p:strVal val="#ppt_x"/>
+                                          </p:val>
+                                        </p:tav>
+                                        <p:tav tm="100000">
+                                          <p:val>
+                                            <p:strVal val="#ppt_x"/>
+                                          </p:val>
+                                        </p:tav>
+                                      </p:tavLst>
+                                    </p:anim>
+                                    <p:anim calcmode="lin" valueType="num">
+                                      <p:cBhvr additive="base">
+                                        <p:cTn id="47" dur="500" fill="hold"/>
+                                        <p:tgtEl>
+                                          <p:spTgt spid="7">
+                                            <p:txEl>
+                                              <p:pRg st="1" end="1"/>
+                                            </p:txEl>
+                                          </p:spTgt>
+                                        </p:tgtEl>
+                                        <p:attrNameLst>
+                                          <p:attrName>ppt_y</p:attrName>
+                                        </p:attrNameLst>
+                                      </p:cBhvr>
+                                      <p:tavLst>
+                                        <p:tav tm="0">
+                                          <p:val>
+                                            <p:strVal val="1+#ppt_h/2"/>
+                                          </p:val>
+                                        </p:tav>
+                                        <p:tav tm="100000">
+                                          <p:val>
+                                            <p:strVal val="#ppt_y"/>
+                                          </p:val>
+                                        </p:tav>
+                                      </p:tavLst>
+                                    </p:anim>
+                                  </p:childTnLst>
+                                </p:cTn>
+                              </p:par>
+                            </p:childTnLst>
+                          </p:cTn>
+                        </p:par>
+                      </p:childTnLst>
+                    </p:cTn>
+                  </p:par>
+                </p:childTnLst>
+              </p:cTn>
+              <p:prevCondLst>
+                <p:cond evt="onPrev" delay="0">
+                  <p:tgtEl>
+                    <p:sldTgt/>
+                  </p:tgtEl>
+                </p:cond>
+              </p:prevCondLst>
+              <p:nextCondLst>
+                <p:cond evt="onNext" delay="0">
+                  <p:tgtEl>
+                    <p:sldTgt/>
+                  </p:tgtEl>
+                </p:cond>
+              </p:nextCondLst>
+            </p:seq>
+          </p:childTnLst>
+        </p:cTn>
+      </p:par>
+    </p:tnLst>
+    <p:bldLst>
+      <p:bldP spid="2" grpId="0"/>
+      <p:bldP spid="4" grpId="0" build="p"/>
+      <p:bldP spid="5" grpId="0" build="p"/>
+      <p:bldP spid="6" grpId="0" build="p"/>
+      <p:bldP spid="7" grpId="0" build="p"/>
+    </p:bldLst>
+  </p:timing>
 </p:sld>
 </file>
 
@@ -3799,6 +5448,611 @@
   <p:transition spd="slow">
     <p:push dir="u"/>
   </p:transition>
+  <p:timing>
+    <p:tnLst>
+      <p:par>
+        <p:cTn id="1" dur="indefinite" restart="never" nodeType="tmRoot">
+          <p:childTnLst>
+            <p:seq concurrent="1" nextAc="seek">
+              <p:cTn id="2" dur="indefinite" nodeType="mainSeq">
+                <p:childTnLst>
+                  <p:par>
+                    <p:cTn id="3" fill="hold">
+                      <p:stCondLst>
+                        <p:cond delay="indefinite"/>
+                        <p:cond evt="onBegin" delay="0">
+                          <p:tn val="2"/>
+                        </p:cond>
+                      </p:stCondLst>
+                      <p:childTnLst>
+                        <p:par>
+                          <p:cTn id="4" fill="hold">
+                            <p:stCondLst>
+                              <p:cond delay="0"/>
+                            </p:stCondLst>
+                            <p:childTnLst>
+                              <p:par>
+                                <p:cTn id="5" presetID="6" presetClass="entr" presetSubtype="16" fill="hold" grpId="0" nodeType="withEffect">
+                                  <p:stCondLst>
+                                    <p:cond delay="0"/>
+                                  </p:stCondLst>
+                                  <p:childTnLst>
+                                    <p:set>
+                                      <p:cBhvr>
+                                        <p:cTn id="6" dur="1" fill="hold">
+                                          <p:stCondLst>
+                                            <p:cond delay="0"/>
+                                          </p:stCondLst>
+                                        </p:cTn>
+                                        <p:tgtEl>
+                                          <p:spTgt spid="7"/>
+                                        </p:tgtEl>
+                                        <p:attrNameLst>
+                                          <p:attrName>style.visibility</p:attrName>
+                                        </p:attrNameLst>
+                                      </p:cBhvr>
+                                      <p:to>
+                                        <p:strVal val="visible"/>
+                                      </p:to>
+                                    </p:set>
+                                    <p:animEffect transition="in" filter="circle(in)">
+                                      <p:cBhvr>
+                                        <p:cTn id="7" dur="2000"/>
+                                        <p:tgtEl>
+                                          <p:spTgt spid="7"/>
+                                        </p:tgtEl>
+                                      </p:cBhvr>
+                                    </p:animEffect>
+                                  </p:childTnLst>
+                                </p:cTn>
+                              </p:par>
+                            </p:childTnLst>
+                          </p:cTn>
+                        </p:par>
+                      </p:childTnLst>
+                    </p:cTn>
+                  </p:par>
+                  <p:par>
+                    <p:cTn id="8" fill="hold">
+                      <p:stCondLst>
+                        <p:cond delay="indefinite"/>
+                      </p:stCondLst>
+                      <p:childTnLst>
+                        <p:par>
+                          <p:cTn id="9" fill="hold">
+                            <p:stCondLst>
+                              <p:cond delay="0"/>
+                            </p:stCondLst>
+                            <p:childTnLst>
+                              <p:par>
+                                <p:cTn id="10" presetID="2" presetClass="entr" presetSubtype="4" fill="hold" grpId="0" nodeType="clickEffect">
+                                  <p:stCondLst>
+                                    <p:cond delay="0"/>
+                                  </p:stCondLst>
+                                  <p:childTnLst>
+                                    <p:set>
+                                      <p:cBhvr>
+                                        <p:cTn id="11" dur="1" fill="hold">
+                                          <p:stCondLst>
+                                            <p:cond delay="0"/>
+                                          </p:stCondLst>
+                                        </p:cTn>
+                                        <p:tgtEl>
+                                          <p:spTgt spid="8">
+                                            <p:txEl>
+                                              <p:pRg st="0" end="0"/>
+                                            </p:txEl>
+                                          </p:spTgt>
+                                        </p:tgtEl>
+                                        <p:attrNameLst>
+                                          <p:attrName>style.visibility</p:attrName>
+                                        </p:attrNameLst>
+                                      </p:cBhvr>
+                                      <p:to>
+                                        <p:strVal val="visible"/>
+                                      </p:to>
+                                    </p:set>
+                                    <p:anim calcmode="lin" valueType="num">
+                                      <p:cBhvr additive="base">
+                                        <p:cTn id="12" dur="500" fill="hold"/>
+                                        <p:tgtEl>
+                                          <p:spTgt spid="8">
+                                            <p:txEl>
+                                              <p:pRg st="0" end="0"/>
+                                            </p:txEl>
+                                          </p:spTgt>
+                                        </p:tgtEl>
+                                        <p:attrNameLst>
+                                          <p:attrName>ppt_x</p:attrName>
+                                        </p:attrNameLst>
+                                      </p:cBhvr>
+                                      <p:tavLst>
+                                        <p:tav tm="0">
+                                          <p:val>
+                                            <p:strVal val="#ppt_x"/>
+                                          </p:val>
+                                        </p:tav>
+                                        <p:tav tm="100000">
+                                          <p:val>
+                                            <p:strVal val="#ppt_x"/>
+                                          </p:val>
+                                        </p:tav>
+                                      </p:tavLst>
+                                    </p:anim>
+                                    <p:anim calcmode="lin" valueType="num">
+                                      <p:cBhvr additive="base">
+                                        <p:cTn id="13" dur="500" fill="hold"/>
+                                        <p:tgtEl>
+                                          <p:spTgt spid="8">
+                                            <p:txEl>
+                                              <p:pRg st="0" end="0"/>
+                                            </p:txEl>
+                                          </p:spTgt>
+                                        </p:tgtEl>
+                                        <p:attrNameLst>
+                                          <p:attrName>ppt_y</p:attrName>
+                                        </p:attrNameLst>
+                                      </p:cBhvr>
+                                      <p:tavLst>
+                                        <p:tav tm="0">
+                                          <p:val>
+                                            <p:strVal val="1+#ppt_h/2"/>
+                                          </p:val>
+                                        </p:tav>
+                                        <p:tav tm="100000">
+                                          <p:val>
+                                            <p:strVal val="#ppt_y"/>
+                                          </p:val>
+                                        </p:tav>
+                                      </p:tavLst>
+                                    </p:anim>
+                                  </p:childTnLst>
+                                </p:cTn>
+                              </p:par>
+                            </p:childTnLst>
+                          </p:cTn>
+                        </p:par>
+                      </p:childTnLst>
+                    </p:cTn>
+                  </p:par>
+                  <p:par>
+                    <p:cTn id="14" fill="hold">
+                      <p:stCondLst>
+                        <p:cond delay="indefinite"/>
+                      </p:stCondLst>
+                      <p:childTnLst>
+                        <p:par>
+                          <p:cTn id="15" fill="hold">
+                            <p:stCondLst>
+                              <p:cond delay="0"/>
+                            </p:stCondLst>
+                            <p:childTnLst>
+                              <p:par>
+                                <p:cTn id="16" presetID="2" presetClass="entr" presetSubtype="4" fill="hold" grpId="0" nodeType="clickEffect">
+                                  <p:stCondLst>
+                                    <p:cond delay="0"/>
+                                  </p:stCondLst>
+                                  <p:childTnLst>
+                                    <p:set>
+                                      <p:cBhvr>
+                                        <p:cTn id="17" dur="1" fill="hold">
+                                          <p:stCondLst>
+                                            <p:cond delay="0"/>
+                                          </p:stCondLst>
+                                        </p:cTn>
+                                        <p:tgtEl>
+                                          <p:spTgt spid="8">
+                                            <p:txEl>
+                                              <p:pRg st="1" end="1"/>
+                                            </p:txEl>
+                                          </p:spTgt>
+                                        </p:tgtEl>
+                                        <p:attrNameLst>
+                                          <p:attrName>style.visibility</p:attrName>
+                                        </p:attrNameLst>
+                                      </p:cBhvr>
+                                      <p:to>
+                                        <p:strVal val="visible"/>
+                                      </p:to>
+                                    </p:set>
+                                    <p:anim calcmode="lin" valueType="num">
+                                      <p:cBhvr additive="base">
+                                        <p:cTn id="18" dur="500" fill="hold"/>
+                                        <p:tgtEl>
+                                          <p:spTgt spid="8">
+                                            <p:txEl>
+                                              <p:pRg st="1" end="1"/>
+                                            </p:txEl>
+                                          </p:spTgt>
+                                        </p:tgtEl>
+                                        <p:attrNameLst>
+                                          <p:attrName>ppt_x</p:attrName>
+                                        </p:attrNameLst>
+                                      </p:cBhvr>
+                                      <p:tavLst>
+                                        <p:tav tm="0">
+                                          <p:val>
+                                            <p:strVal val="#ppt_x"/>
+                                          </p:val>
+                                        </p:tav>
+                                        <p:tav tm="100000">
+                                          <p:val>
+                                            <p:strVal val="#ppt_x"/>
+                                          </p:val>
+                                        </p:tav>
+                                      </p:tavLst>
+                                    </p:anim>
+                                    <p:anim calcmode="lin" valueType="num">
+                                      <p:cBhvr additive="base">
+                                        <p:cTn id="19" dur="500" fill="hold"/>
+                                        <p:tgtEl>
+                                          <p:spTgt spid="8">
+                                            <p:txEl>
+                                              <p:pRg st="1" end="1"/>
+                                            </p:txEl>
+                                          </p:spTgt>
+                                        </p:tgtEl>
+                                        <p:attrNameLst>
+                                          <p:attrName>ppt_y</p:attrName>
+                                        </p:attrNameLst>
+                                      </p:cBhvr>
+                                      <p:tavLst>
+                                        <p:tav tm="0">
+                                          <p:val>
+                                            <p:strVal val="1+#ppt_h/2"/>
+                                          </p:val>
+                                        </p:tav>
+                                        <p:tav tm="100000">
+                                          <p:val>
+                                            <p:strVal val="#ppt_y"/>
+                                          </p:val>
+                                        </p:tav>
+                                      </p:tavLst>
+                                    </p:anim>
+                                  </p:childTnLst>
+                                </p:cTn>
+                              </p:par>
+                            </p:childTnLst>
+                          </p:cTn>
+                        </p:par>
+                      </p:childTnLst>
+                    </p:cTn>
+                  </p:par>
+                  <p:par>
+                    <p:cTn id="20" fill="hold">
+                      <p:stCondLst>
+                        <p:cond delay="indefinite"/>
+                      </p:stCondLst>
+                      <p:childTnLst>
+                        <p:par>
+                          <p:cTn id="21" fill="hold">
+                            <p:stCondLst>
+                              <p:cond delay="0"/>
+                            </p:stCondLst>
+                            <p:childTnLst>
+                              <p:par>
+                                <p:cTn id="22" presetID="2" presetClass="entr" presetSubtype="4" fill="hold" grpId="0" nodeType="clickEffect">
+                                  <p:stCondLst>
+                                    <p:cond delay="0"/>
+                                  </p:stCondLst>
+                                  <p:childTnLst>
+                                    <p:set>
+                                      <p:cBhvr>
+                                        <p:cTn id="23" dur="1" fill="hold">
+                                          <p:stCondLst>
+                                            <p:cond delay="0"/>
+                                          </p:stCondLst>
+                                        </p:cTn>
+                                        <p:tgtEl>
+                                          <p:spTgt spid="8">
+                                            <p:txEl>
+                                              <p:pRg st="2" end="2"/>
+                                            </p:txEl>
+                                          </p:spTgt>
+                                        </p:tgtEl>
+                                        <p:attrNameLst>
+                                          <p:attrName>style.visibility</p:attrName>
+                                        </p:attrNameLst>
+                                      </p:cBhvr>
+                                      <p:to>
+                                        <p:strVal val="visible"/>
+                                      </p:to>
+                                    </p:set>
+                                    <p:anim calcmode="lin" valueType="num">
+                                      <p:cBhvr additive="base">
+                                        <p:cTn id="24" dur="500" fill="hold"/>
+                                        <p:tgtEl>
+                                          <p:spTgt spid="8">
+                                            <p:txEl>
+                                              <p:pRg st="2" end="2"/>
+                                            </p:txEl>
+                                          </p:spTgt>
+                                        </p:tgtEl>
+                                        <p:attrNameLst>
+                                          <p:attrName>ppt_x</p:attrName>
+                                        </p:attrNameLst>
+                                      </p:cBhvr>
+                                      <p:tavLst>
+                                        <p:tav tm="0">
+                                          <p:val>
+                                            <p:strVal val="#ppt_x"/>
+                                          </p:val>
+                                        </p:tav>
+                                        <p:tav tm="100000">
+                                          <p:val>
+                                            <p:strVal val="#ppt_x"/>
+                                          </p:val>
+                                        </p:tav>
+                                      </p:tavLst>
+                                    </p:anim>
+                                    <p:anim calcmode="lin" valueType="num">
+                                      <p:cBhvr additive="base">
+                                        <p:cTn id="25" dur="500" fill="hold"/>
+                                        <p:tgtEl>
+                                          <p:spTgt spid="8">
+                                            <p:txEl>
+                                              <p:pRg st="2" end="2"/>
+                                            </p:txEl>
+                                          </p:spTgt>
+                                        </p:tgtEl>
+                                        <p:attrNameLst>
+                                          <p:attrName>ppt_y</p:attrName>
+                                        </p:attrNameLst>
+                                      </p:cBhvr>
+                                      <p:tavLst>
+                                        <p:tav tm="0">
+                                          <p:val>
+                                            <p:strVal val="1+#ppt_h/2"/>
+                                          </p:val>
+                                        </p:tav>
+                                        <p:tav tm="100000">
+                                          <p:val>
+                                            <p:strVal val="#ppt_y"/>
+                                          </p:val>
+                                        </p:tav>
+                                      </p:tavLst>
+                                    </p:anim>
+                                  </p:childTnLst>
+                                </p:cTn>
+                              </p:par>
+                            </p:childTnLst>
+                          </p:cTn>
+                        </p:par>
+                      </p:childTnLst>
+                    </p:cTn>
+                  </p:par>
+                  <p:par>
+                    <p:cTn id="26" fill="hold">
+                      <p:stCondLst>
+                        <p:cond delay="indefinite"/>
+                      </p:stCondLst>
+                      <p:childTnLst>
+                        <p:par>
+                          <p:cTn id="27" fill="hold">
+                            <p:stCondLst>
+                              <p:cond delay="0"/>
+                            </p:stCondLst>
+                            <p:childTnLst>
+                              <p:par>
+                                <p:cTn id="28" presetID="2" presetClass="entr" presetSubtype="4" fill="hold" grpId="0" nodeType="clickEffect">
+                                  <p:stCondLst>
+                                    <p:cond delay="0"/>
+                                  </p:stCondLst>
+                                  <p:childTnLst>
+                                    <p:set>
+                                      <p:cBhvr>
+                                        <p:cTn id="29" dur="1" fill="hold">
+                                          <p:stCondLst>
+                                            <p:cond delay="0"/>
+                                          </p:stCondLst>
+                                        </p:cTn>
+                                        <p:tgtEl>
+                                          <p:spTgt spid="8">
+                                            <p:txEl>
+                                              <p:pRg st="3" end="3"/>
+                                            </p:txEl>
+                                          </p:spTgt>
+                                        </p:tgtEl>
+                                        <p:attrNameLst>
+                                          <p:attrName>style.visibility</p:attrName>
+                                        </p:attrNameLst>
+                                      </p:cBhvr>
+                                      <p:to>
+                                        <p:strVal val="visible"/>
+                                      </p:to>
+                                    </p:set>
+                                    <p:anim calcmode="lin" valueType="num">
+                                      <p:cBhvr additive="base">
+                                        <p:cTn id="30" dur="500" fill="hold"/>
+                                        <p:tgtEl>
+                                          <p:spTgt spid="8">
+                                            <p:txEl>
+                                              <p:pRg st="3" end="3"/>
+                                            </p:txEl>
+                                          </p:spTgt>
+                                        </p:tgtEl>
+                                        <p:attrNameLst>
+                                          <p:attrName>ppt_x</p:attrName>
+                                        </p:attrNameLst>
+                                      </p:cBhvr>
+                                      <p:tavLst>
+                                        <p:tav tm="0">
+                                          <p:val>
+                                            <p:strVal val="#ppt_x"/>
+                                          </p:val>
+                                        </p:tav>
+                                        <p:tav tm="100000">
+                                          <p:val>
+                                            <p:strVal val="#ppt_x"/>
+                                          </p:val>
+                                        </p:tav>
+                                      </p:tavLst>
+                                    </p:anim>
+                                    <p:anim calcmode="lin" valueType="num">
+                                      <p:cBhvr additive="base">
+                                        <p:cTn id="31" dur="500" fill="hold"/>
+                                        <p:tgtEl>
+                                          <p:spTgt spid="8">
+                                            <p:txEl>
+                                              <p:pRg st="3" end="3"/>
+                                            </p:txEl>
+                                          </p:spTgt>
+                                        </p:tgtEl>
+                                        <p:attrNameLst>
+                                          <p:attrName>ppt_y</p:attrName>
+                                        </p:attrNameLst>
+                                      </p:cBhvr>
+                                      <p:tavLst>
+                                        <p:tav tm="0">
+                                          <p:val>
+                                            <p:strVal val="1+#ppt_h/2"/>
+                                          </p:val>
+                                        </p:tav>
+                                        <p:tav tm="100000">
+                                          <p:val>
+                                            <p:strVal val="#ppt_y"/>
+                                          </p:val>
+                                        </p:tav>
+                                      </p:tavLst>
+                                    </p:anim>
+                                  </p:childTnLst>
+                                </p:cTn>
+                              </p:par>
+                            </p:childTnLst>
+                          </p:cTn>
+                        </p:par>
+                      </p:childTnLst>
+                    </p:cTn>
+                  </p:par>
+                  <p:par>
+                    <p:cTn id="32" fill="hold">
+                      <p:stCondLst>
+                        <p:cond delay="indefinite"/>
+                      </p:stCondLst>
+                      <p:childTnLst>
+                        <p:par>
+                          <p:cTn id="33" fill="hold">
+                            <p:stCondLst>
+                              <p:cond delay="0"/>
+                            </p:stCondLst>
+                            <p:childTnLst>
+                              <p:par>
+                                <p:cTn id="34" presetID="2" presetClass="entr" presetSubtype="4" fill="hold" grpId="0" nodeType="clickEffect">
+                                  <p:stCondLst>
+                                    <p:cond delay="0"/>
+                                  </p:stCondLst>
+                                  <p:childTnLst>
+                                    <p:set>
+                                      <p:cBhvr>
+                                        <p:cTn id="35" dur="1" fill="hold">
+                                          <p:stCondLst>
+                                            <p:cond delay="0"/>
+                                          </p:stCondLst>
+                                        </p:cTn>
+                                        <p:tgtEl>
+                                          <p:spTgt spid="8">
+                                            <p:txEl>
+                                              <p:pRg st="4" end="4"/>
+                                            </p:txEl>
+                                          </p:spTgt>
+                                        </p:tgtEl>
+                                        <p:attrNameLst>
+                                          <p:attrName>style.visibility</p:attrName>
+                                        </p:attrNameLst>
+                                      </p:cBhvr>
+                                      <p:to>
+                                        <p:strVal val="visible"/>
+                                      </p:to>
+                                    </p:set>
+                                    <p:anim calcmode="lin" valueType="num">
+                                      <p:cBhvr additive="base">
+                                        <p:cTn id="36" dur="500" fill="hold"/>
+                                        <p:tgtEl>
+                                          <p:spTgt spid="8">
+                                            <p:txEl>
+                                              <p:pRg st="4" end="4"/>
+                                            </p:txEl>
+                                          </p:spTgt>
+                                        </p:tgtEl>
+                                        <p:attrNameLst>
+                                          <p:attrName>ppt_x</p:attrName>
+                                        </p:attrNameLst>
+                                      </p:cBhvr>
+                                      <p:tavLst>
+                                        <p:tav tm="0">
+                                          <p:val>
+                                            <p:strVal val="#ppt_x"/>
+                                          </p:val>
+                                        </p:tav>
+                                        <p:tav tm="100000">
+                                          <p:val>
+                                            <p:strVal val="#ppt_x"/>
+                                          </p:val>
+                                        </p:tav>
+                                      </p:tavLst>
+                                    </p:anim>
+                                    <p:anim calcmode="lin" valueType="num">
+                                      <p:cBhvr additive="base">
+                                        <p:cTn id="37" dur="500" fill="hold"/>
+                                        <p:tgtEl>
+                                          <p:spTgt spid="8">
+                                            <p:txEl>
+                                              <p:pRg st="4" end="4"/>
+                                            </p:txEl>
+                                          </p:spTgt>
+                                        </p:tgtEl>
+                                        <p:attrNameLst>
+                                          <p:attrName>ppt_y</p:attrName>
+                                        </p:attrNameLst>
+                                      </p:cBhvr>
+                                      <p:tavLst>
+                                        <p:tav tm="0">
+                                          <p:val>
+                                            <p:strVal val="1+#ppt_h/2"/>
+                                          </p:val>
+                                        </p:tav>
+                                        <p:tav tm="100000">
+                                          <p:val>
+                                            <p:strVal val="#ppt_y"/>
+                                          </p:val>
+                                        </p:tav>
+                                      </p:tavLst>
+                                    </p:anim>
+                                  </p:childTnLst>
+                                </p:cTn>
+                              </p:par>
+                            </p:childTnLst>
+                          </p:cTn>
+                        </p:par>
+                      </p:childTnLst>
+                    </p:cTn>
+                  </p:par>
+                </p:childTnLst>
+              </p:cTn>
+              <p:prevCondLst>
+                <p:cond evt="onPrev" delay="0">
+                  <p:tgtEl>
+                    <p:sldTgt/>
+                  </p:tgtEl>
+                </p:cond>
+              </p:prevCondLst>
+              <p:nextCondLst>
+                <p:cond evt="onNext" delay="0">
+                  <p:tgtEl>
+                    <p:sldTgt/>
+                  </p:tgtEl>
+                </p:cond>
+              </p:nextCondLst>
+            </p:seq>
+          </p:childTnLst>
+        </p:cTn>
+      </p:par>
+    </p:tnLst>
+    <p:bldLst>
+      <p:bldP spid="7" grpId="0"/>
+      <p:bldP spid="8" grpId="0" build="p"/>
+    </p:bldLst>
+  </p:timing>
 </p:sld>
 </file>
 
@@ -3953,7 +6207,7 @@
           <p:nvPr/>
         </p:nvPicPr>
         <p:blipFill>
-          <a:blip r:embed="rId2"/>
+          <a:blip r:embed="rId3"/>
           <a:stretch>
             <a:fillRect/>
           </a:stretch>
@@ -3981,6 +6235,337 @@
   <p:transition spd="slow">
     <p:push dir="u"/>
   </p:transition>
+  <p:timing>
+    <p:tnLst>
+      <p:par>
+        <p:cTn id="1" dur="indefinite" restart="never" nodeType="tmRoot">
+          <p:childTnLst>
+            <p:seq concurrent="1" nextAc="seek">
+              <p:cTn id="2" dur="indefinite" nodeType="mainSeq">
+                <p:childTnLst>
+                  <p:par>
+                    <p:cTn id="3" fill="hold">
+                      <p:stCondLst>
+                        <p:cond delay="indefinite"/>
+                        <p:cond evt="onBegin" delay="0">
+                          <p:tn val="2"/>
+                        </p:cond>
+                      </p:stCondLst>
+                      <p:childTnLst>
+                        <p:par>
+                          <p:cTn id="4" fill="hold">
+                            <p:stCondLst>
+                              <p:cond delay="0"/>
+                            </p:stCondLst>
+                            <p:childTnLst>
+                              <p:par>
+                                <p:cTn id="5" presetID="6" presetClass="entr" presetSubtype="16" fill="hold" grpId="0" nodeType="withEffect">
+                                  <p:stCondLst>
+                                    <p:cond delay="0"/>
+                                  </p:stCondLst>
+                                  <p:childTnLst>
+                                    <p:set>
+                                      <p:cBhvr>
+                                        <p:cTn id="6" dur="1" fill="hold">
+                                          <p:stCondLst>
+                                            <p:cond delay="0"/>
+                                          </p:stCondLst>
+                                        </p:cTn>
+                                        <p:tgtEl>
+                                          <p:spTgt spid="2"/>
+                                        </p:tgtEl>
+                                        <p:attrNameLst>
+                                          <p:attrName>style.visibility</p:attrName>
+                                        </p:attrNameLst>
+                                      </p:cBhvr>
+                                      <p:to>
+                                        <p:strVal val="visible"/>
+                                      </p:to>
+                                    </p:set>
+                                    <p:animEffect transition="in" filter="circle(in)">
+                                      <p:cBhvr>
+                                        <p:cTn id="7" dur="2000"/>
+                                        <p:tgtEl>
+                                          <p:spTgt spid="2"/>
+                                        </p:tgtEl>
+                                      </p:cBhvr>
+                                    </p:animEffect>
+                                  </p:childTnLst>
+                                </p:cTn>
+                              </p:par>
+                            </p:childTnLst>
+                          </p:cTn>
+                        </p:par>
+                      </p:childTnLst>
+                    </p:cTn>
+                  </p:par>
+                  <p:par>
+                    <p:cTn id="8" fill="hold">
+                      <p:stCondLst>
+                        <p:cond delay="indefinite"/>
+                      </p:stCondLst>
+                      <p:childTnLst>
+                        <p:par>
+                          <p:cTn id="9" fill="hold">
+                            <p:stCondLst>
+                              <p:cond delay="0"/>
+                            </p:stCondLst>
+                            <p:childTnLst>
+                              <p:par>
+                                <p:cTn id="10" presetID="2" presetClass="entr" presetSubtype="4" fill="hold" grpId="0" nodeType="clickEffect">
+                                  <p:stCondLst>
+                                    <p:cond delay="0"/>
+                                  </p:stCondLst>
+                                  <p:childTnLst>
+                                    <p:set>
+                                      <p:cBhvr>
+                                        <p:cTn id="11" dur="1" fill="hold">
+                                          <p:stCondLst>
+                                            <p:cond delay="0"/>
+                                          </p:stCondLst>
+                                        </p:cTn>
+                                        <p:tgtEl>
+                                          <p:spTgt spid="3">
+                                            <p:txEl>
+                                              <p:pRg st="0" end="0"/>
+                                            </p:txEl>
+                                          </p:spTgt>
+                                        </p:tgtEl>
+                                        <p:attrNameLst>
+                                          <p:attrName>style.visibility</p:attrName>
+                                        </p:attrNameLst>
+                                      </p:cBhvr>
+                                      <p:to>
+                                        <p:strVal val="visible"/>
+                                      </p:to>
+                                    </p:set>
+                                    <p:anim calcmode="lin" valueType="num">
+                                      <p:cBhvr additive="base">
+                                        <p:cTn id="12" dur="500" fill="hold"/>
+                                        <p:tgtEl>
+                                          <p:spTgt spid="3">
+                                            <p:txEl>
+                                              <p:pRg st="0" end="0"/>
+                                            </p:txEl>
+                                          </p:spTgt>
+                                        </p:tgtEl>
+                                        <p:attrNameLst>
+                                          <p:attrName>ppt_x</p:attrName>
+                                        </p:attrNameLst>
+                                      </p:cBhvr>
+                                      <p:tavLst>
+                                        <p:tav tm="0">
+                                          <p:val>
+                                            <p:strVal val="#ppt_x"/>
+                                          </p:val>
+                                        </p:tav>
+                                        <p:tav tm="100000">
+                                          <p:val>
+                                            <p:strVal val="#ppt_x"/>
+                                          </p:val>
+                                        </p:tav>
+                                      </p:tavLst>
+                                    </p:anim>
+                                    <p:anim calcmode="lin" valueType="num">
+                                      <p:cBhvr additive="base">
+                                        <p:cTn id="13" dur="500" fill="hold"/>
+                                        <p:tgtEl>
+                                          <p:spTgt spid="3">
+                                            <p:txEl>
+                                              <p:pRg st="0" end="0"/>
+                                            </p:txEl>
+                                          </p:spTgt>
+                                        </p:tgtEl>
+                                        <p:attrNameLst>
+                                          <p:attrName>ppt_y</p:attrName>
+                                        </p:attrNameLst>
+                                      </p:cBhvr>
+                                      <p:tavLst>
+                                        <p:tav tm="0">
+                                          <p:val>
+                                            <p:strVal val="1+#ppt_h/2"/>
+                                          </p:val>
+                                        </p:tav>
+                                        <p:tav tm="100000">
+                                          <p:val>
+                                            <p:strVal val="#ppt_y"/>
+                                          </p:val>
+                                        </p:tav>
+                                      </p:tavLst>
+                                    </p:anim>
+                                  </p:childTnLst>
+                                </p:cTn>
+                              </p:par>
+                            </p:childTnLst>
+                          </p:cTn>
+                        </p:par>
+                      </p:childTnLst>
+                    </p:cTn>
+                  </p:par>
+                  <p:par>
+                    <p:cTn id="14" fill="hold">
+                      <p:stCondLst>
+                        <p:cond delay="indefinite"/>
+                      </p:stCondLst>
+                      <p:childTnLst>
+                        <p:par>
+                          <p:cTn id="15" fill="hold">
+                            <p:stCondLst>
+                              <p:cond delay="0"/>
+                            </p:stCondLst>
+                            <p:childTnLst>
+                              <p:par>
+                                <p:cTn id="16" presetID="2" presetClass="entr" presetSubtype="4" fill="hold" grpId="0" nodeType="clickEffect">
+                                  <p:stCondLst>
+                                    <p:cond delay="0"/>
+                                  </p:stCondLst>
+                                  <p:childTnLst>
+                                    <p:set>
+                                      <p:cBhvr>
+                                        <p:cTn id="17" dur="1" fill="hold">
+                                          <p:stCondLst>
+                                            <p:cond delay="0"/>
+                                          </p:stCondLst>
+                                        </p:cTn>
+                                        <p:tgtEl>
+                                          <p:spTgt spid="3">
+                                            <p:txEl>
+                                              <p:pRg st="1" end="1"/>
+                                            </p:txEl>
+                                          </p:spTgt>
+                                        </p:tgtEl>
+                                        <p:attrNameLst>
+                                          <p:attrName>style.visibility</p:attrName>
+                                        </p:attrNameLst>
+                                      </p:cBhvr>
+                                      <p:to>
+                                        <p:strVal val="visible"/>
+                                      </p:to>
+                                    </p:set>
+                                    <p:anim calcmode="lin" valueType="num">
+                                      <p:cBhvr additive="base">
+                                        <p:cTn id="18" dur="500" fill="hold"/>
+                                        <p:tgtEl>
+                                          <p:spTgt spid="3">
+                                            <p:txEl>
+                                              <p:pRg st="1" end="1"/>
+                                            </p:txEl>
+                                          </p:spTgt>
+                                        </p:tgtEl>
+                                        <p:attrNameLst>
+                                          <p:attrName>ppt_x</p:attrName>
+                                        </p:attrNameLst>
+                                      </p:cBhvr>
+                                      <p:tavLst>
+                                        <p:tav tm="0">
+                                          <p:val>
+                                            <p:strVal val="#ppt_x"/>
+                                          </p:val>
+                                        </p:tav>
+                                        <p:tav tm="100000">
+                                          <p:val>
+                                            <p:strVal val="#ppt_x"/>
+                                          </p:val>
+                                        </p:tav>
+                                      </p:tavLst>
+                                    </p:anim>
+                                    <p:anim calcmode="lin" valueType="num">
+                                      <p:cBhvr additive="base">
+                                        <p:cTn id="19" dur="500" fill="hold"/>
+                                        <p:tgtEl>
+                                          <p:spTgt spid="3">
+                                            <p:txEl>
+                                              <p:pRg st="1" end="1"/>
+                                            </p:txEl>
+                                          </p:spTgt>
+                                        </p:tgtEl>
+                                        <p:attrNameLst>
+                                          <p:attrName>ppt_y</p:attrName>
+                                        </p:attrNameLst>
+                                      </p:cBhvr>
+                                      <p:tavLst>
+                                        <p:tav tm="0">
+                                          <p:val>
+                                            <p:strVal val="1+#ppt_h/2"/>
+                                          </p:val>
+                                        </p:tav>
+                                        <p:tav tm="100000">
+                                          <p:val>
+                                            <p:strVal val="#ppt_y"/>
+                                          </p:val>
+                                        </p:tav>
+                                      </p:tavLst>
+                                    </p:anim>
+                                  </p:childTnLst>
+                                </p:cTn>
+                              </p:par>
+                              <p:par>
+                                <p:cTn id="20" presetID="6" presetClass="entr" presetSubtype="16" fill="hold" nodeType="withEffect">
+                                  <p:stCondLst>
+                                    <p:cond delay="0"/>
+                                  </p:stCondLst>
+                                  <p:childTnLst>
+                                    <p:set>
+                                      <p:cBhvr>
+                                        <p:cTn id="21" dur="1" fill="hold">
+                                          <p:stCondLst>
+                                            <p:cond delay="0"/>
+                                          </p:stCondLst>
+                                        </p:cTn>
+                                        <p:tgtEl>
+                                          <p:spTgt spid="5"/>
+                                        </p:tgtEl>
+                                        <p:attrNameLst>
+                                          <p:attrName>style.visibility</p:attrName>
+                                        </p:attrNameLst>
+                                      </p:cBhvr>
+                                      <p:to>
+                                        <p:strVal val="visible"/>
+                                      </p:to>
+                                    </p:set>
+                                    <p:animEffect transition="in" filter="circle(in)">
+                                      <p:cBhvr>
+                                        <p:cTn id="22" dur="2000"/>
+                                        <p:tgtEl>
+                                          <p:spTgt spid="5"/>
+                                        </p:tgtEl>
+                                      </p:cBhvr>
+                                    </p:animEffect>
+                                  </p:childTnLst>
+                                </p:cTn>
+                              </p:par>
+                            </p:childTnLst>
+                          </p:cTn>
+                        </p:par>
+                      </p:childTnLst>
+                    </p:cTn>
+                  </p:par>
+                </p:childTnLst>
+              </p:cTn>
+              <p:prevCondLst>
+                <p:cond evt="onPrev" delay="0">
+                  <p:tgtEl>
+                    <p:sldTgt/>
+                  </p:tgtEl>
+                </p:cond>
+              </p:prevCondLst>
+              <p:nextCondLst>
+                <p:cond evt="onNext" delay="0">
+                  <p:tgtEl>
+                    <p:sldTgt/>
+                  </p:tgtEl>
+                </p:cond>
+              </p:nextCondLst>
+            </p:seq>
+          </p:childTnLst>
+        </p:cTn>
+      </p:par>
+    </p:tnLst>
+    <p:bldLst>
+      <p:bldP spid="2" grpId="0"/>
+      <p:bldP spid="3" grpId="0" build="p"/>
+    </p:bldLst>
+  </p:timing>
 </p:sld>
 </file>
 
@@ -4017,7 +6602,12 @@
             <p:ph type="title"/>
           </p:nvPr>
         </p:nvSpPr>
-        <p:spPr/>
+        <p:spPr>
+          <a:xfrm>
+            <a:off x="838200" y="267242"/>
+            <a:ext cx="10515600" cy="1325563"/>
+          </a:xfrm>
+        </p:spPr>
         <p:txBody>
           <a:bodyPr/>
           <a:lstStyle/>
@@ -4055,12 +6645,14 @@
         </p:nvSpPr>
         <p:spPr>
           <a:xfrm>
-            <a:off x="838200" y="1825625"/>
-            <a:ext cx="3507463" cy="4351338"/>
+            <a:off x="838200" y="1703499"/>
+            <a:ext cx="3507463" cy="5048078"/>
           </a:xfrm>
         </p:spPr>
         <p:txBody>
-          <a:bodyPr/>
+          <a:bodyPr>
+            <a:normAutofit/>
+          </a:bodyPr>
           <a:lstStyle/>
           <a:p>
             <a:pPr>
@@ -4068,7 +6660,7 @@
               <a:buChar char="v"/>
             </a:pPr>
             <a:r>
-              <a:rPr lang="cs-CZ" dirty="0"/>
+              <a:rPr lang="cs-CZ" sz="2400" dirty="0"/>
               <a:t>Klíč musí být stejně dlouhý, jako text</a:t>
             </a:r>
           </a:p>
@@ -4077,7 +6669,38 @@
               <a:buFont typeface="Wingdings" panose="05000000000000000000" pitchFamily="2" charset="2"/>
               <a:buChar char="v"/>
             </a:pPr>
-            <a:endParaRPr lang="cs-CZ" dirty="0"/>
+            <a:r>
+              <a:rPr lang="cs-CZ" sz="2400" dirty="0"/>
+              <a:t>Vezmeme první písmeno z klíče a najdeme jeho pozici v abecedě, nazveme to indexem</a:t>
+            </a:r>
+          </a:p>
+          <a:p>
+            <a:pPr>
+              <a:buFont typeface="Wingdings" panose="05000000000000000000" pitchFamily="2" charset="2"/>
+              <a:buChar char="v"/>
+            </a:pPr>
+            <a:r>
+              <a:rPr lang="cs-CZ" sz="2400" dirty="0"/>
+              <a:t>Zašifrujeme první písmeno z </a:t>
+            </a:r>
+            <a:r>
+              <a:rPr lang="cs-CZ" sz="2400" dirty="0" err="1"/>
+              <a:t>plaintextu</a:t>
+            </a:r>
+            <a:r>
+              <a:rPr lang="cs-CZ" sz="2400" dirty="0"/>
+              <a:t> Caesarovou š. s klíčem rovným indexu</a:t>
+            </a:r>
+          </a:p>
+          <a:p>
+            <a:pPr>
+              <a:buFont typeface="Wingdings" panose="05000000000000000000" pitchFamily="2" charset="2"/>
+              <a:buChar char="v"/>
+            </a:pPr>
+            <a:r>
+              <a:rPr lang="cs-CZ" sz="2400" dirty="0"/>
+              <a:t>Opakujeme pro další písmena</a:t>
+            </a:r>
           </a:p>
         </p:txBody>
       </p:sp>
@@ -4096,7 +6719,7 @@
           <p:nvPr/>
         </p:nvPicPr>
         <p:blipFill>
-          <a:blip r:embed="rId2"/>
+          <a:blip r:embed="rId3"/>
           <a:stretch>
             <a:fillRect/>
           </a:stretch>
@@ -4126,7 +6749,7 @@
           <p:nvPr/>
         </p:nvPicPr>
         <p:blipFill>
-          <a:blip r:embed="rId3"/>
+          <a:blip r:embed="rId4"/>
           <a:stretch>
             <a:fillRect/>
           </a:stretch>
@@ -4141,10 +6764,1563 @@
           </a:prstGeom>
         </p:spPr>
       </p:pic>
+      <p:pic>
+        <p:nvPicPr>
+          <p:cNvPr id="4" name="Obrázek 3">
+            <a:extLst>
+              <a:ext uri="{FF2B5EF4-FFF2-40B4-BE49-F238E27FC236}">
+                <a16:creationId xmlns:a16="http://schemas.microsoft.com/office/drawing/2014/main" id="{3597C2C6-541A-4923-CBE8-3D376FC5463B}"/>
+              </a:ext>
+            </a:extLst>
+          </p:cNvPr>
+          <p:cNvPicPr>
+            <a:picLocks noChangeAspect="1"/>
+          </p:cNvPicPr>
+          <p:nvPr/>
+        </p:nvPicPr>
+        <p:blipFill>
+          <a:blip r:embed="rId5"/>
+          <a:stretch>
+            <a:fillRect/>
+          </a:stretch>
+        </p:blipFill>
+        <p:spPr>
+          <a:xfrm>
+            <a:off x="4513907" y="2748151"/>
+            <a:ext cx="2409825" cy="257175"/>
+          </a:xfrm>
+          <a:prstGeom prst="rect">
+            <a:avLst/>
+          </a:prstGeom>
+        </p:spPr>
+      </p:pic>
+      <p:pic>
+        <p:nvPicPr>
+          <p:cNvPr id="11" name="Obrázek 10">
+            <a:extLst>
+              <a:ext uri="{FF2B5EF4-FFF2-40B4-BE49-F238E27FC236}">
+                <a16:creationId xmlns:a16="http://schemas.microsoft.com/office/drawing/2014/main" id="{9A9B8825-1391-B5D4-B5F3-83610EE1C3BF}"/>
+              </a:ext>
+            </a:extLst>
+          </p:cNvPr>
+          <p:cNvPicPr>
+            <a:picLocks noChangeAspect="1"/>
+          </p:cNvPicPr>
+          <p:nvPr/>
+        </p:nvPicPr>
+        <p:blipFill>
+          <a:blip r:embed="rId6"/>
+          <a:stretch>
+            <a:fillRect/>
+          </a:stretch>
+        </p:blipFill>
+        <p:spPr>
+          <a:xfrm>
+            <a:off x="4513907" y="3131784"/>
+            <a:ext cx="2514600" cy="266700"/>
+          </a:xfrm>
+          <a:prstGeom prst="rect">
+            <a:avLst/>
+          </a:prstGeom>
+        </p:spPr>
+      </p:pic>
+      <p:pic>
+        <p:nvPicPr>
+          <p:cNvPr id="13" name="Obrázek 12">
+            <a:extLst>
+              <a:ext uri="{FF2B5EF4-FFF2-40B4-BE49-F238E27FC236}">
+                <a16:creationId xmlns:a16="http://schemas.microsoft.com/office/drawing/2014/main" id="{2503D2FC-58C9-1F99-CFB6-1CEC9EA6394A}"/>
+              </a:ext>
+            </a:extLst>
+          </p:cNvPr>
+          <p:cNvPicPr>
+            <a:picLocks noChangeAspect="1"/>
+          </p:cNvPicPr>
+          <p:nvPr/>
+        </p:nvPicPr>
+        <p:blipFill>
+          <a:blip r:embed="rId7"/>
+          <a:stretch>
+            <a:fillRect/>
+          </a:stretch>
+        </p:blipFill>
+        <p:spPr>
+          <a:xfrm>
+            <a:off x="4513907" y="3810880"/>
+            <a:ext cx="1381125" cy="1466850"/>
+          </a:xfrm>
+          <a:prstGeom prst="rect">
+            <a:avLst/>
+          </a:prstGeom>
+        </p:spPr>
+      </p:pic>
+      <p:pic>
+        <p:nvPicPr>
+          <p:cNvPr id="15" name="Obrázek 14">
+            <a:extLst>
+              <a:ext uri="{FF2B5EF4-FFF2-40B4-BE49-F238E27FC236}">
+                <a16:creationId xmlns:a16="http://schemas.microsoft.com/office/drawing/2014/main" id="{95F0783D-52B4-7FBE-AE67-329CFDA2A168}"/>
+              </a:ext>
+            </a:extLst>
+          </p:cNvPr>
+          <p:cNvPicPr>
+            <a:picLocks noChangeAspect="1"/>
+          </p:cNvPicPr>
+          <p:nvPr/>
+        </p:nvPicPr>
+        <p:blipFill>
+          <a:blip r:embed="rId8"/>
+          <a:stretch>
+            <a:fillRect/>
+          </a:stretch>
+        </p:blipFill>
+        <p:spPr>
+          <a:xfrm>
+            <a:off x="7279835" y="2757676"/>
+            <a:ext cx="2647950" cy="247650"/>
+          </a:xfrm>
+          <a:prstGeom prst="rect">
+            <a:avLst/>
+          </a:prstGeom>
+        </p:spPr>
+      </p:pic>
+      <p:pic>
+        <p:nvPicPr>
+          <p:cNvPr id="17" name="Obrázek 16">
+            <a:extLst>
+              <a:ext uri="{FF2B5EF4-FFF2-40B4-BE49-F238E27FC236}">
+                <a16:creationId xmlns:a16="http://schemas.microsoft.com/office/drawing/2014/main" id="{5D02E28B-F4A3-EA94-B35E-D79D03095A1D}"/>
+              </a:ext>
+            </a:extLst>
+          </p:cNvPr>
+          <p:cNvPicPr>
+            <a:picLocks noChangeAspect="1"/>
+          </p:cNvPicPr>
+          <p:nvPr/>
+        </p:nvPicPr>
+        <p:blipFill>
+          <a:blip r:embed="rId9"/>
+          <a:stretch>
+            <a:fillRect/>
+          </a:stretch>
+        </p:blipFill>
+        <p:spPr>
+          <a:xfrm>
+            <a:off x="7279835" y="3110471"/>
+            <a:ext cx="1924050" cy="285750"/>
+          </a:xfrm>
+          <a:prstGeom prst="rect">
+            <a:avLst/>
+          </a:prstGeom>
+        </p:spPr>
+      </p:pic>
+      <p:pic>
+        <p:nvPicPr>
+          <p:cNvPr id="19" name="Obrázek 18">
+            <a:extLst>
+              <a:ext uri="{FF2B5EF4-FFF2-40B4-BE49-F238E27FC236}">
+                <a16:creationId xmlns:a16="http://schemas.microsoft.com/office/drawing/2014/main" id="{012F1A91-D74C-1841-64C7-E4534F08FD00}"/>
+              </a:ext>
+            </a:extLst>
+          </p:cNvPr>
+          <p:cNvPicPr>
+            <a:picLocks noChangeAspect="1"/>
+          </p:cNvPicPr>
+          <p:nvPr/>
+        </p:nvPicPr>
+        <p:blipFill>
+          <a:blip r:embed="rId10"/>
+          <a:stretch>
+            <a:fillRect/>
+          </a:stretch>
+        </p:blipFill>
+        <p:spPr>
+          <a:xfrm>
+            <a:off x="7279835" y="3601330"/>
+            <a:ext cx="1743075" cy="209550"/>
+          </a:xfrm>
+          <a:prstGeom prst="rect">
+            <a:avLst/>
+          </a:prstGeom>
+        </p:spPr>
+      </p:pic>
     </p:spTree>
     <p:extLst>
       <p:ext uri="{BB962C8B-B14F-4D97-AF65-F5344CB8AC3E}">
         <p14:creationId xmlns:p14="http://schemas.microsoft.com/office/powerpoint/2010/main" val="1189426864"/>
+      </p:ext>
+    </p:extLst>
+  </p:cSld>
+  <p:clrMapOvr>
+    <a:masterClrMapping/>
+  </p:clrMapOvr>
+  <p:transition spd="slow">
+    <p:push dir="u"/>
+  </p:transition>
+  <p:timing>
+    <p:tnLst>
+      <p:par>
+        <p:cTn id="1" dur="indefinite" restart="never" nodeType="tmRoot">
+          <p:childTnLst>
+            <p:seq concurrent="1" nextAc="seek">
+              <p:cTn id="2" dur="indefinite" nodeType="mainSeq">
+                <p:childTnLst>
+                  <p:par>
+                    <p:cTn id="3" fill="hold">
+                      <p:stCondLst>
+                        <p:cond delay="indefinite"/>
+                        <p:cond evt="onBegin" delay="0">
+                          <p:tn val="2"/>
+                        </p:cond>
+                      </p:stCondLst>
+                      <p:childTnLst>
+                        <p:par>
+                          <p:cTn id="4" fill="hold">
+                            <p:stCondLst>
+                              <p:cond delay="0"/>
+                            </p:stCondLst>
+                            <p:childTnLst>
+                              <p:par>
+                                <p:cTn id="5" presetID="6" presetClass="entr" presetSubtype="16" fill="hold" grpId="0" nodeType="withEffect">
+                                  <p:stCondLst>
+                                    <p:cond delay="0"/>
+                                  </p:stCondLst>
+                                  <p:childTnLst>
+                                    <p:set>
+                                      <p:cBhvr>
+                                        <p:cTn id="6" dur="1" fill="hold">
+                                          <p:stCondLst>
+                                            <p:cond delay="0"/>
+                                          </p:stCondLst>
+                                        </p:cTn>
+                                        <p:tgtEl>
+                                          <p:spTgt spid="2"/>
+                                        </p:tgtEl>
+                                        <p:attrNameLst>
+                                          <p:attrName>style.visibility</p:attrName>
+                                        </p:attrNameLst>
+                                      </p:cBhvr>
+                                      <p:to>
+                                        <p:strVal val="visible"/>
+                                      </p:to>
+                                    </p:set>
+                                    <p:animEffect transition="in" filter="circle(in)">
+                                      <p:cBhvr>
+                                        <p:cTn id="7" dur="2000"/>
+                                        <p:tgtEl>
+                                          <p:spTgt spid="2"/>
+                                        </p:tgtEl>
+                                      </p:cBhvr>
+                                    </p:animEffect>
+                                  </p:childTnLst>
+                                </p:cTn>
+                              </p:par>
+                            </p:childTnLst>
+                          </p:cTn>
+                        </p:par>
+                      </p:childTnLst>
+                    </p:cTn>
+                  </p:par>
+                  <p:par>
+                    <p:cTn id="8" fill="hold">
+                      <p:stCondLst>
+                        <p:cond delay="indefinite"/>
+                      </p:stCondLst>
+                      <p:childTnLst>
+                        <p:par>
+                          <p:cTn id="9" fill="hold">
+                            <p:stCondLst>
+                              <p:cond delay="0"/>
+                            </p:stCondLst>
+                            <p:childTnLst>
+                              <p:par>
+                                <p:cTn id="10" presetID="2" presetClass="entr" presetSubtype="4" fill="hold" grpId="0" nodeType="clickEffect">
+                                  <p:stCondLst>
+                                    <p:cond delay="0"/>
+                                  </p:stCondLst>
+                                  <p:childTnLst>
+                                    <p:set>
+                                      <p:cBhvr>
+                                        <p:cTn id="11" dur="1" fill="hold">
+                                          <p:stCondLst>
+                                            <p:cond delay="0"/>
+                                          </p:stCondLst>
+                                        </p:cTn>
+                                        <p:tgtEl>
+                                          <p:spTgt spid="6">
+                                            <p:txEl>
+                                              <p:pRg st="0" end="0"/>
+                                            </p:txEl>
+                                          </p:spTgt>
+                                        </p:tgtEl>
+                                        <p:attrNameLst>
+                                          <p:attrName>style.visibility</p:attrName>
+                                        </p:attrNameLst>
+                                      </p:cBhvr>
+                                      <p:to>
+                                        <p:strVal val="visible"/>
+                                      </p:to>
+                                    </p:set>
+                                    <p:anim calcmode="lin" valueType="num">
+                                      <p:cBhvr additive="base">
+                                        <p:cTn id="12" dur="500" fill="hold"/>
+                                        <p:tgtEl>
+                                          <p:spTgt spid="6">
+                                            <p:txEl>
+                                              <p:pRg st="0" end="0"/>
+                                            </p:txEl>
+                                          </p:spTgt>
+                                        </p:tgtEl>
+                                        <p:attrNameLst>
+                                          <p:attrName>ppt_x</p:attrName>
+                                        </p:attrNameLst>
+                                      </p:cBhvr>
+                                      <p:tavLst>
+                                        <p:tav tm="0">
+                                          <p:val>
+                                            <p:strVal val="#ppt_x"/>
+                                          </p:val>
+                                        </p:tav>
+                                        <p:tav tm="100000">
+                                          <p:val>
+                                            <p:strVal val="#ppt_x"/>
+                                          </p:val>
+                                        </p:tav>
+                                      </p:tavLst>
+                                    </p:anim>
+                                    <p:anim calcmode="lin" valueType="num">
+                                      <p:cBhvr additive="base">
+                                        <p:cTn id="13" dur="500" fill="hold"/>
+                                        <p:tgtEl>
+                                          <p:spTgt spid="6">
+                                            <p:txEl>
+                                              <p:pRg st="0" end="0"/>
+                                            </p:txEl>
+                                          </p:spTgt>
+                                        </p:tgtEl>
+                                        <p:attrNameLst>
+                                          <p:attrName>ppt_y</p:attrName>
+                                        </p:attrNameLst>
+                                      </p:cBhvr>
+                                      <p:tavLst>
+                                        <p:tav tm="0">
+                                          <p:val>
+                                            <p:strVal val="1+#ppt_h/2"/>
+                                          </p:val>
+                                        </p:tav>
+                                        <p:tav tm="100000">
+                                          <p:val>
+                                            <p:strVal val="#ppt_y"/>
+                                          </p:val>
+                                        </p:tav>
+                                      </p:tavLst>
+                                    </p:anim>
+                                  </p:childTnLst>
+                                </p:cTn>
+                              </p:par>
+                            </p:childTnLst>
+                          </p:cTn>
+                        </p:par>
+                      </p:childTnLst>
+                    </p:cTn>
+                  </p:par>
+                  <p:par>
+                    <p:cTn id="14" fill="hold">
+                      <p:stCondLst>
+                        <p:cond delay="indefinite"/>
+                      </p:stCondLst>
+                      <p:childTnLst>
+                        <p:par>
+                          <p:cTn id="15" fill="hold">
+                            <p:stCondLst>
+                              <p:cond delay="0"/>
+                            </p:stCondLst>
+                            <p:childTnLst>
+                              <p:par>
+                                <p:cTn id="16" presetID="2" presetClass="entr" presetSubtype="4" fill="hold" grpId="0" nodeType="clickEffect">
+                                  <p:stCondLst>
+                                    <p:cond delay="0"/>
+                                  </p:stCondLst>
+                                  <p:childTnLst>
+                                    <p:set>
+                                      <p:cBhvr>
+                                        <p:cTn id="17" dur="1" fill="hold">
+                                          <p:stCondLst>
+                                            <p:cond delay="0"/>
+                                          </p:stCondLst>
+                                        </p:cTn>
+                                        <p:tgtEl>
+                                          <p:spTgt spid="6">
+                                            <p:txEl>
+                                              <p:pRg st="1" end="1"/>
+                                            </p:txEl>
+                                          </p:spTgt>
+                                        </p:tgtEl>
+                                        <p:attrNameLst>
+                                          <p:attrName>style.visibility</p:attrName>
+                                        </p:attrNameLst>
+                                      </p:cBhvr>
+                                      <p:to>
+                                        <p:strVal val="visible"/>
+                                      </p:to>
+                                    </p:set>
+                                    <p:anim calcmode="lin" valueType="num">
+                                      <p:cBhvr additive="base">
+                                        <p:cTn id="18" dur="500" fill="hold"/>
+                                        <p:tgtEl>
+                                          <p:spTgt spid="6">
+                                            <p:txEl>
+                                              <p:pRg st="1" end="1"/>
+                                            </p:txEl>
+                                          </p:spTgt>
+                                        </p:tgtEl>
+                                        <p:attrNameLst>
+                                          <p:attrName>ppt_x</p:attrName>
+                                        </p:attrNameLst>
+                                      </p:cBhvr>
+                                      <p:tavLst>
+                                        <p:tav tm="0">
+                                          <p:val>
+                                            <p:strVal val="#ppt_x"/>
+                                          </p:val>
+                                        </p:tav>
+                                        <p:tav tm="100000">
+                                          <p:val>
+                                            <p:strVal val="#ppt_x"/>
+                                          </p:val>
+                                        </p:tav>
+                                      </p:tavLst>
+                                    </p:anim>
+                                    <p:anim calcmode="lin" valueType="num">
+                                      <p:cBhvr additive="base">
+                                        <p:cTn id="19" dur="500" fill="hold"/>
+                                        <p:tgtEl>
+                                          <p:spTgt spid="6">
+                                            <p:txEl>
+                                              <p:pRg st="1" end="1"/>
+                                            </p:txEl>
+                                          </p:spTgt>
+                                        </p:tgtEl>
+                                        <p:attrNameLst>
+                                          <p:attrName>ppt_y</p:attrName>
+                                        </p:attrNameLst>
+                                      </p:cBhvr>
+                                      <p:tavLst>
+                                        <p:tav tm="0">
+                                          <p:val>
+                                            <p:strVal val="1+#ppt_h/2"/>
+                                          </p:val>
+                                        </p:tav>
+                                        <p:tav tm="100000">
+                                          <p:val>
+                                            <p:strVal val="#ppt_y"/>
+                                          </p:val>
+                                        </p:tav>
+                                      </p:tavLst>
+                                    </p:anim>
+                                  </p:childTnLst>
+                                </p:cTn>
+                              </p:par>
+                            </p:childTnLst>
+                          </p:cTn>
+                        </p:par>
+                      </p:childTnLst>
+                    </p:cTn>
+                  </p:par>
+                  <p:par>
+                    <p:cTn id="20" fill="hold">
+                      <p:stCondLst>
+                        <p:cond delay="indefinite"/>
+                      </p:stCondLst>
+                      <p:childTnLst>
+                        <p:par>
+                          <p:cTn id="21" fill="hold">
+                            <p:stCondLst>
+                              <p:cond delay="0"/>
+                            </p:stCondLst>
+                            <p:childTnLst>
+                              <p:par>
+                                <p:cTn id="22" presetID="2" presetClass="entr" presetSubtype="4" fill="hold" grpId="0" nodeType="clickEffect">
+                                  <p:stCondLst>
+                                    <p:cond delay="0"/>
+                                  </p:stCondLst>
+                                  <p:childTnLst>
+                                    <p:set>
+                                      <p:cBhvr>
+                                        <p:cTn id="23" dur="1" fill="hold">
+                                          <p:stCondLst>
+                                            <p:cond delay="0"/>
+                                          </p:stCondLst>
+                                        </p:cTn>
+                                        <p:tgtEl>
+                                          <p:spTgt spid="6">
+                                            <p:txEl>
+                                              <p:pRg st="2" end="2"/>
+                                            </p:txEl>
+                                          </p:spTgt>
+                                        </p:tgtEl>
+                                        <p:attrNameLst>
+                                          <p:attrName>style.visibility</p:attrName>
+                                        </p:attrNameLst>
+                                      </p:cBhvr>
+                                      <p:to>
+                                        <p:strVal val="visible"/>
+                                      </p:to>
+                                    </p:set>
+                                    <p:anim calcmode="lin" valueType="num">
+                                      <p:cBhvr additive="base">
+                                        <p:cTn id="24" dur="500" fill="hold"/>
+                                        <p:tgtEl>
+                                          <p:spTgt spid="6">
+                                            <p:txEl>
+                                              <p:pRg st="2" end="2"/>
+                                            </p:txEl>
+                                          </p:spTgt>
+                                        </p:tgtEl>
+                                        <p:attrNameLst>
+                                          <p:attrName>ppt_x</p:attrName>
+                                        </p:attrNameLst>
+                                      </p:cBhvr>
+                                      <p:tavLst>
+                                        <p:tav tm="0">
+                                          <p:val>
+                                            <p:strVal val="#ppt_x"/>
+                                          </p:val>
+                                        </p:tav>
+                                        <p:tav tm="100000">
+                                          <p:val>
+                                            <p:strVal val="#ppt_x"/>
+                                          </p:val>
+                                        </p:tav>
+                                      </p:tavLst>
+                                    </p:anim>
+                                    <p:anim calcmode="lin" valueType="num">
+                                      <p:cBhvr additive="base">
+                                        <p:cTn id="25" dur="500" fill="hold"/>
+                                        <p:tgtEl>
+                                          <p:spTgt spid="6">
+                                            <p:txEl>
+                                              <p:pRg st="2" end="2"/>
+                                            </p:txEl>
+                                          </p:spTgt>
+                                        </p:tgtEl>
+                                        <p:attrNameLst>
+                                          <p:attrName>ppt_y</p:attrName>
+                                        </p:attrNameLst>
+                                      </p:cBhvr>
+                                      <p:tavLst>
+                                        <p:tav tm="0">
+                                          <p:val>
+                                            <p:strVal val="1+#ppt_h/2"/>
+                                          </p:val>
+                                        </p:tav>
+                                        <p:tav tm="100000">
+                                          <p:val>
+                                            <p:strVal val="#ppt_y"/>
+                                          </p:val>
+                                        </p:tav>
+                                      </p:tavLst>
+                                    </p:anim>
+                                  </p:childTnLst>
+                                </p:cTn>
+                              </p:par>
+                            </p:childTnLst>
+                          </p:cTn>
+                        </p:par>
+                      </p:childTnLst>
+                    </p:cTn>
+                  </p:par>
+                  <p:par>
+                    <p:cTn id="26" fill="hold">
+                      <p:stCondLst>
+                        <p:cond delay="indefinite"/>
+                      </p:stCondLst>
+                      <p:childTnLst>
+                        <p:par>
+                          <p:cTn id="27" fill="hold">
+                            <p:stCondLst>
+                              <p:cond delay="0"/>
+                            </p:stCondLst>
+                            <p:childTnLst>
+                              <p:par>
+                                <p:cTn id="28" presetID="2" presetClass="entr" presetSubtype="4" fill="hold" grpId="0" nodeType="clickEffect">
+                                  <p:stCondLst>
+                                    <p:cond delay="0"/>
+                                  </p:stCondLst>
+                                  <p:childTnLst>
+                                    <p:set>
+                                      <p:cBhvr>
+                                        <p:cTn id="29" dur="1" fill="hold">
+                                          <p:stCondLst>
+                                            <p:cond delay="0"/>
+                                          </p:stCondLst>
+                                        </p:cTn>
+                                        <p:tgtEl>
+                                          <p:spTgt spid="6">
+                                            <p:txEl>
+                                              <p:pRg st="3" end="3"/>
+                                            </p:txEl>
+                                          </p:spTgt>
+                                        </p:tgtEl>
+                                        <p:attrNameLst>
+                                          <p:attrName>style.visibility</p:attrName>
+                                        </p:attrNameLst>
+                                      </p:cBhvr>
+                                      <p:to>
+                                        <p:strVal val="visible"/>
+                                      </p:to>
+                                    </p:set>
+                                    <p:anim calcmode="lin" valueType="num">
+                                      <p:cBhvr additive="base">
+                                        <p:cTn id="30" dur="500" fill="hold"/>
+                                        <p:tgtEl>
+                                          <p:spTgt spid="6">
+                                            <p:txEl>
+                                              <p:pRg st="3" end="3"/>
+                                            </p:txEl>
+                                          </p:spTgt>
+                                        </p:tgtEl>
+                                        <p:attrNameLst>
+                                          <p:attrName>ppt_x</p:attrName>
+                                        </p:attrNameLst>
+                                      </p:cBhvr>
+                                      <p:tavLst>
+                                        <p:tav tm="0">
+                                          <p:val>
+                                            <p:strVal val="#ppt_x"/>
+                                          </p:val>
+                                        </p:tav>
+                                        <p:tav tm="100000">
+                                          <p:val>
+                                            <p:strVal val="#ppt_x"/>
+                                          </p:val>
+                                        </p:tav>
+                                      </p:tavLst>
+                                    </p:anim>
+                                    <p:anim calcmode="lin" valueType="num">
+                                      <p:cBhvr additive="base">
+                                        <p:cTn id="31" dur="500" fill="hold"/>
+                                        <p:tgtEl>
+                                          <p:spTgt spid="6">
+                                            <p:txEl>
+                                              <p:pRg st="3" end="3"/>
+                                            </p:txEl>
+                                          </p:spTgt>
+                                        </p:tgtEl>
+                                        <p:attrNameLst>
+                                          <p:attrName>ppt_y</p:attrName>
+                                        </p:attrNameLst>
+                                      </p:cBhvr>
+                                      <p:tavLst>
+                                        <p:tav tm="0">
+                                          <p:val>
+                                            <p:strVal val="1+#ppt_h/2"/>
+                                          </p:val>
+                                        </p:tav>
+                                        <p:tav tm="100000">
+                                          <p:val>
+                                            <p:strVal val="#ppt_y"/>
+                                          </p:val>
+                                        </p:tav>
+                                      </p:tavLst>
+                                    </p:anim>
+                                  </p:childTnLst>
+                                </p:cTn>
+                              </p:par>
+                            </p:childTnLst>
+                          </p:cTn>
+                        </p:par>
+                      </p:childTnLst>
+                    </p:cTn>
+                  </p:par>
+                  <p:par>
+                    <p:cTn id="32" fill="hold">
+                      <p:stCondLst>
+                        <p:cond delay="indefinite"/>
+                      </p:stCondLst>
+                      <p:childTnLst>
+                        <p:par>
+                          <p:cTn id="33" fill="hold">
+                            <p:stCondLst>
+                              <p:cond delay="0"/>
+                            </p:stCondLst>
+                            <p:childTnLst>
+                              <p:par>
+                                <p:cTn id="34" presetID="6" presetClass="entr" presetSubtype="16" fill="hold" nodeType="clickEffect">
+                                  <p:stCondLst>
+                                    <p:cond delay="0"/>
+                                  </p:stCondLst>
+                                  <p:childTnLst>
+                                    <p:set>
+                                      <p:cBhvr>
+                                        <p:cTn id="35" dur="1" fill="hold">
+                                          <p:stCondLst>
+                                            <p:cond delay="0"/>
+                                          </p:stCondLst>
+                                        </p:cTn>
+                                        <p:tgtEl>
+                                          <p:spTgt spid="5"/>
+                                        </p:tgtEl>
+                                        <p:attrNameLst>
+                                          <p:attrName>style.visibility</p:attrName>
+                                        </p:attrNameLst>
+                                      </p:cBhvr>
+                                      <p:to>
+                                        <p:strVal val="visible"/>
+                                      </p:to>
+                                    </p:set>
+                                    <p:animEffect transition="in" filter="circle(in)">
+                                      <p:cBhvr>
+                                        <p:cTn id="36" dur="2000"/>
+                                        <p:tgtEl>
+                                          <p:spTgt spid="5"/>
+                                        </p:tgtEl>
+                                      </p:cBhvr>
+                                    </p:animEffect>
+                                  </p:childTnLst>
+                                </p:cTn>
+                              </p:par>
+                            </p:childTnLst>
+                          </p:cTn>
+                        </p:par>
+                      </p:childTnLst>
+                    </p:cTn>
+                  </p:par>
+                  <p:par>
+                    <p:cTn id="37" fill="hold">
+                      <p:stCondLst>
+                        <p:cond delay="indefinite"/>
+                      </p:stCondLst>
+                      <p:childTnLst>
+                        <p:par>
+                          <p:cTn id="38" fill="hold">
+                            <p:stCondLst>
+                              <p:cond delay="0"/>
+                            </p:stCondLst>
+                            <p:childTnLst>
+                              <p:par>
+                                <p:cTn id="39" presetID="6" presetClass="entr" presetSubtype="16" fill="hold" nodeType="clickEffect">
+                                  <p:stCondLst>
+                                    <p:cond delay="0"/>
+                                  </p:stCondLst>
+                                  <p:childTnLst>
+                                    <p:set>
+                                      <p:cBhvr>
+                                        <p:cTn id="40" dur="1" fill="hold">
+                                          <p:stCondLst>
+                                            <p:cond delay="0"/>
+                                          </p:stCondLst>
+                                        </p:cTn>
+                                        <p:tgtEl>
+                                          <p:spTgt spid="8"/>
+                                        </p:tgtEl>
+                                        <p:attrNameLst>
+                                          <p:attrName>style.visibility</p:attrName>
+                                        </p:attrNameLst>
+                                      </p:cBhvr>
+                                      <p:to>
+                                        <p:strVal val="visible"/>
+                                      </p:to>
+                                    </p:set>
+                                    <p:animEffect transition="in" filter="circle(in)">
+                                      <p:cBhvr>
+                                        <p:cTn id="41" dur="2000"/>
+                                        <p:tgtEl>
+                                          <p:spTgt spid="8"/>
+                                        </p:tgtEl>
+                                      </p:cBhvr>
+                                    </p:animEffect>
+                                  </p:childTnLst>
+                                </p:cTn>
+                              </p:par>
+                            </p:childTnLst>
+                          </p:cTn>
+                        </p:par>
+                      </p:childTnLst>
+                    </p:cTn>
+                  </p:par>
+                  <p:par>
+                    <p:cTn id="42" fill="hold">
+                      <p:stCondLst>
+                        <p:cond delay="indefinite"/>
+                      </p:stCondLst>
+                      <p:childTnLst>
+                        <p:par>
+                          <p:cTn id="43" fill="hold">
+                            <p:stCondLst>
+                              <p:cond delay="0"/>
+                            </p:stCondLst>
+                            <p:childTnLst>
+                              <p:par>
+                                <p:cTn id="44" presetID="6" presetClass="entr" presetSubtype="16" fill="hold" nodeType="clickEffect">
+                                  <p:stCondLst>
+                                    <p:cond delay="0"/>
+                                  </p:stCondLst>
+                                  <p:childTnLst>
+                                    <p:set>
+                                      <p:cBhvr>
+                                        <p:cTn id="45" dur="1" fill="hold">
+                                          <p:stCondLst>
+                                            <p:cond delay="0"/>
+                                          </p:stCondLst>
+                                        </p:cTn>
+                                        <p:tgtEl>
+                                          <p:spTgt spid="4"/>
+                                        </p:tgtEl>
+                                        <p:attrNameLst>
+                                          <p:attrName>style.visibility</p:attrName>
+                                        </p:attrNameLst>
+                                      </p:cBhvr>
+                                      <p:to>
+                                        <p:strVal val="visible"/>
+                                      </p:to>
+                                    </p:set>
+                                    <p:animEffect transition="in" filter="circle(in)">
+                                      <p:cBhvr>
+                                        <p:cTn id="46" dur="2000"/>
+                                        <p:tgtEl>
+                                          <p:spTgt spid="4"/>
+                                        </p:tgtEl>
+                                      </p:cBhvr>
+                                    </p:animEffect>
+                                  </p:childTnLst>
+                                </p:cTn>
+                              </p:par>
+                              <p:par>
+                                <p:cTn id="47" presetID="6" presetClass="entr" presetSubtype="16" fill="hold" nodeType="withEffect">
+                                  <p:stCondLst>
+                                    <p:cond delay="0"/>
+                                  </p:stCondLst>
+                                  <p:childTnLst>
+                                    <p:set>
+                                      <p:cBhvr>
+                                        <p:cTn id="48" dur="1" fill="hold">
+                                          <p:stCondLst>
+                                            <p:cond delay="0"/>
+                                          </p:stCondLst>
+                                        </p:cTn>
+                                        <p:tgtEl>
+                                          <p:spTgt spid="11"/>
+                                        </p:tgtEl>
+                                        <p:attrNameLst>
+                                          <p:attrName>style.visibility</p:attrName>
+                                        </p:attrNameLst>
+                                      </p:cBhvr>
+                                      <p:to>
+                                        <p:strVal val="visible"/>
+                                      </p:to>
+                                    </p:set>
+                                    <p:animEffect transition="in" filter="circle(in)">
+                                      <p:cBhvr>
+                                        <p:cTn id="49" dur="2000"/>
+                                        <p:tgtEl>
+                                          <p:spTgt spid="11"/>
+                                        </p:tgtEl>
+                                      </p:cBhvr>
+                                    </p:animEffect>
+                                  </p:childTnLst>
+                                </p:cTn>
+                              </p:par>
+                              <p:par>
+                                <p:cTn id="50" presetID="6" presetClass="entr" presetSubtype="16" fill="hold" nodeType="withEffect">
+                                  <p:stCondLst>
+                                    <p:cond delay="0"/>
+                                  </p:stCondLst>
+                                  <p:childTnLst>
+                                    <p:set>
+                                      <p:cBhvr>
+                                        <p:cTn id="51" dur="1" fill="hold">
+                                          <p:stCondLst>
+                                            <p:cond delay="0"/>
+                                          </p:stCondLst>
+                                        </p:cTn>
+                                        <p:tgtEl>
+                                          <p:spTgt spid="13"/>
+                                        </p:tgtEl>
+                                        <p:attrNameLst>
+                                          <p:attrName>style.visibility</p:attrName>
+                                        </p:attrNameLst>
+                                      </p:cBhvr>
+                                      <p:to>
+                                        <p:strVal val="visible"/>
+                                      </p:to>
+                                    </p:set>
+                                    <p:animEffect transition="in" filter="circle(in)">
+                                      <p:cBhvr>
+                                        <p:cTn id="52" dur="2000"/>
+                                        <p:tgtEl>
+                                          <p:spTgt spid="13"/>
+                                        </p:tgtEl>
+                                      </p:cBhvr>
+                                    </p:animEffect>
+                                  </p:childTnLst>
+                                </p:cTn>
+                              </p:par>
+                            </p:childTnLst>
+                          </p:cTn>
+                        </p:par>
+                      </p:childTnLst>
+                    </p:cTn>
+                  </p:par>
+                  <p:par>
+                    <p:cTn id="53" fill="hold">
+                      <p:stCondLst>
+                        <p:cond delay="indefinite"/>
+                      </p:stCondLst>
+                      <p:childTnLst>
+                        <p:par>
+                          <p:cTn id="54" fill="hold">
+                            <p:stCondLst>
+                              <p:cond delay="0"/>
+                            </p:stCondLst>
+                            <p:childTnLst>
+                              <p:par>
+                                <p:cTn id="55" presetID="6" presetClass="entr" presetSubtype="16" fill="hold" nodeType="clickEffect">
+                                  <p:stCondLst>
+                                    <p:cond delay="0"/>
+                                  </p:stCondLst>
+                                  <p:childTnLst>
+                                    <p:set>
+                                      <p:cBhvr>
+                                        <p:cTn id="56" dur="1" fill="hold">
+                                          <p:stCondLst>
+                                            <p:cond delay="0"/>
+                                          </p:stCondLst>
+                                        </p:cTn>
+                                        <p:tgtEl>
+                                          <p:spTgt spid="15"/>
+                                        </p:tgtEl>
+                                        <p:attrNameLst>
+                                          <p:attrName>style.visibility</p:attrName>
+                                        </p:attrNameLst>
+                                      </p:cBhvr>
+                                      <p:to>
+                                        <p:strVal val="visible"/>
+                                      </p:to>
+                                    </p:set>
+                                    <p:animEffect transition="in" filter="circle(in)">
+                                      <p:cBhvr>
+                                        <p:cTn id="57" dur="2000"/>
+                                        <p:tgtEl>
+                                          <p:spTgt spid="15"/>
+                                        </p:tgtEl>
+                                      </p:cBhvr>
+                                    </p:animEffect>
+                                  </p:childTnLst>
+                                </p:cTn>
+                              </p:par>
+                              <p:par>
+                                <p:cTn id="58" presetID="6" presetClass="entr" presetSubtype="16" fill="hold" nodeType="withEffect">
+                                  <p:stCondLst>
+                                    <p:cond delay="0"/>
+                                  </p:stCondLst>
+                                  <p:childTnLst>
+                                    <p:set>
+                                      <p:cBhvr>
+                                        <p:cTn id="59" dur="1" fill="hold">
+                                          <p:stCondLst>
+                                            <p:cond delay="0"/>
+                                          </p:stCondLst>
+                                        </p:cTn>
+                                        <p:tgtEl>
+                                          <p:spTgt spid="17"/>
+                                        </p:tgtEl>
+                                        <p:attrNameLst>
+                                          <p:attrName>style.visibility</p:attrName>
+                                        </p:attrNameLst>
+                                      </p:cBhvr>
+                                      <p:to>
+                                        <p:strVal val="visible"/>
+                                      </p:to>
+                                    </p:set>
+                                    <p:animEffect transition="in" filter="circle(in)">
+                                      <p:cBhvr>
+                                        <p:cTn id="60" dur="2000"/>
+                                        <p:tgtEl>
+                                          <p:spTgt spid="17"/>
+                                        </p:tgtEl>
+                                      </p:cBhvr>
+                                    </p:animEffect>
+                                  </p:childTnLst>
+                                </p:cTn>
+                              </p:par>
+                              <p:par>
+                                <p:cTn id="61" presetID="6" presetClass="entr" presetSubtype="16" fill="hold" nodeType="withEffect">
+                                  <p:stCondLst>
+                                    <p:cond delay="0"/>
+                                  </p:stCondLst>
+                                  <p:childTnLst>
+                                    <p:set>
+                                      <p:cBhvr>
+                                        <p:cTn id="62" dur="1" fill="hold">
+                                          <p:stCondLst>
+                                            <p:cond delay="0"/>
+                                          </p:stCondLst>
+                                        </p:cTn>
+                                        <p:tgtEl>
+                                          <p:spTgt spid="19"/>
+                                        </p:tgtEl>
+                                        <p:attrNameLst>
+                                          <p:attrName>style.visibility</p:attrName>
+                                        </p:attrNameLst>
+                                      </p:cBhvr>
+                                      <p:to>
+                                        <p:strVal val="visible"/>
+                                      </p:to>
+                                    </p:set>
+                                    <p:animEffect transition="in" filter="circle(in)">
+                                      <p:cBhvr>
+                                        <p:cTn id="63" dur="2000"/>
+                                        <p:tgtEl>
+                                          <p:spTgt spid="19"/>
+                                        </p:tgtEl>
+                                      </p:cBhvr>
+                                    </p:animEffect>
+                                  </p:childTnLst>
+                                </p:cTn>
+                              </p:par>
+                            </p:childTnLst>
+                          </p:cTn>
+                        </p:par>
+                      </p:childTnLst>
+                    </p:cTn>
+                  </p:par>
+                </p:childTnLst>
+              </p:cTn>
+              <p:prevCondLst>
+                <p:cond evt="onPrev" delay="0">
+                  <p:tgtEl>
+                    <p:sldTgt/>
+                  </p:tgtEl>
+                </p:cond>
+              </p:prevCondLst>
+              <p:nextCondLst>
+                <p:cond evt="onNext" delay="0">
+                  <p:tgtEl>
+                    <p:sldTgt/>
+                  </p:tgtEl>
+                </p:cond>
+              </p:nextCondLst>
+            </p:seq>
+          </p:childTnLst>
+        </p:cTn>
+      </p:par>
+    </p:tnLst>
+    <p:bldLst>
+      <p:bldP spid="2" grpId="0"/>
+      <p:bldP spid="6" grpId="0" build="p"/>
+    </p:bldLst>
+  </p:timing>
+</p:sld>
+</file>
+
+<file path=ppt/slides/slide6.xml><?xml version="1.0" encoding="utf-8"?>
+<p:sld xmlns:a="http://schemas.openxmlformats.org/drawingml/2006/main" xmlns:r="http://schemas.openxmlformats.org/officeDocument/2006/relationships" xmlns:p="http://schemas.openxmlformats.org/presentationml/2006/main">
+  <p:cSld>
+    <p:spTree>
+      <p:nvGrpSpPr>
+        <p:cNvPr id="1" name=""/>
+        <p:cNvGrpSpPr/>
+        <p:nvPr/>
+      </p:nvGrpSpPr>
+      <p:grpSpPr>
+        <a:xfrm>
+          <a:off x="0" y="0"/>
+          <a:ext cx="0" cy="0"/>
+          <a:chOff x="0" y="0"/>
+          <a:chExt cx="0" cy="0"/>
+        </a:xfrm>
+      </p:grpSpPr>
+      <p:sp>
+        <p:nvSpPr>
+          <p:cNvPr id="2" name="Nadpis 1">
+            <a:extLst>
+              <a:ext uri="{FF2B5EF4-FFF2-40B4-BE49-F238E27FC236}">
+                <a16:creationId xmlns:a16="http://schemas.microsoft.com/office/drawing/2014/main" id="{C211E356-E141-8375-5A44-63230BDEAF7D}"/>
+              </a:ext>
+            </a:extLst>
+          </p:cNvPr>
+          <p:cNvSpPr>
+            <a:spLocks noGrp="1"/>
+          </p:cNvSpPr>
+          <p:nvPr>
+            <p:ph type="title"/>
+          </p:nvPr>
+        </p:nvSpPr>
+        <p:spPr/>
+        <p:txBody>
+          <a:bodyPr/>
+          <a:lstStyle/>
+          <a:p>
+            <a:r>
+              <a:rPr lang="cs-CZ" dirty="0"/>
+              <a:t>Historie</a:t>
+            </a:r>
+          </a:p>
+        </p:txBody>
+      </p:sp>
+      <p:sp>
+        <p:nvSpPr>
+          <p:cNvPr id="3" name="Zástupný obsah 2">
+            <a:extLst>
+              <a:ext uri="{FF2B5EF4-FFF2-40B4-BE49-F238E27FC236}">
+                <a16:creationId xmlns:a16="http://schemas.microsoft.com/office/drawing/2014/main" id="{6B48F83D-E184-D278-7AF1-EF9D51862C46}"/>
+              </a:ext>
+            </a:extLst>
+          </p:cNvPr>
+          <p:cNvSpPr>
+            <a:spLocks noGrp="1"/>
+          </p:cNvSpPr>
+          <p:nvPr>
+            <p:ph idx="1"/>
+          </p:nvPr>
+        </p:nvSpPr>
+        <p:spPr/>
+        <p:txBody>
+          <a:bodyPr/>
+          <a:lstStyle/>
+          <a:p>
+            <a:pPr>
+              <a:buFont typeface="Wingdings" panose="05000000000000000000" pitchFamily="2" charset="2"/>
+              <a:buChar char="v"/>
+            </a:pPr>
+            <a:r>
+              <a:rPr lang="cs-CZ" dirty="0"/>
+              <a:t>Enigma</a:t>
+            </a:r>
+          </a:p>
+        </p:txBody>
+      </p:sp>
+    </p:spTree>
+    <p:extLst>
+      <p:ext uri="{BB962C8B-B14F-4D97-AF65-F5344CB8AC3E}">
+        <p14:creationId xmlns:p14="http://schemas.microsoft.com/office/powerpoint/2010/main" val="667662069"/>
+      </p:ext>
+    </p:extLst>
+  </p:cSld>
+  <p:clrMapOvr>
+    <a:masterClrMapping/>
+  </p:clrMapOvr>
+  <p:transition spd="slow">
+    <p:push dir="u"/>
+  </p:transition>
+</p:sld>
+</file>
+
+<file path=ppt/slides/slide7.xml><?xml version="1.0" encoding="utf-8"?>
+<p:sld xmlns:a="http://schemas.openxmlformats.org/drawingml/2006/main" xmlns:r="http://schemas.openxmlformats.org/officeDocument/2006/relationships" xmlns:p="http://schemas.openxmlformats.org/presentationml/2006/main">
+  <p:cSld>
+    <p:spTree>
+      <p:nvGrpSpPr>
+        <p:cNvPr id="1" name=""/>
+        <p:cNvGrpSpPr/>
+        <p:nvPr/>
+      </p:nvGrpSpPr>
+      <p:grpSpPr>
+        <a:xfrm>
+          <a:off x="0" y="0"/>
+          <a:ext cx="0" cy="0"/>
+          <a:chOff x="0" y="0"/>
+          <a:chExt cx="0" cy="0"/>
+        </a:xfrm>
+      </p:grpSpPr>
+      <p:sp>
+        <p:nvSpPr>
+          <p:cNvPr id="2" name="Nadpis 1">
+            <a:extLst>
+              <a:ext uri="{FF2B5EF4-FFF2-40B4-BE49-F238E27FC236}">
+                <a16:creationId xmlns:a16="http://schemas.microsoft.com/office/drawing/2014/main" id="{B9EEAF38-DFA1-5C52-9A05-6EA9649A2A36}"/>
+              </a:ext>
+            </a:extLst>
+          </p:cNvPr>
+          <p:cNvSpPr>
+            <a:spLocks noGrp="1"/>
+          </p:cNvSpPr>
+          <p:nvPr>
+            <p:ph type="title"/>
+          </p:nvPr>
+        </p:nvSpPr>
+        <p:spPr/>
+        <p:txBody>
+          <a:bodyPr/>
+          <a:lstStyle/>
+          <a:p>
+            <a:r>
+              <a:rPr lang="cs-CZ" dirty="0"/>
+              <a:t>Rozdělení</a:t>
+            </a:r>
+          </a:p>
+        </p:txBody>
+      </p:sp>
+      <p:sp>
+        <p:nvSpPr>
+          <p:cNvPr id="6" name="Zástupný text 5">
+            <a:extLst>
+              <a:ext uri="{FF2B5EF4-FFF2-40B4-BE49-F238E27FC236}">
+                <a16:creationId xmlns:a16="http://schemas.microsoft.com/office/drawing/2014/main" id="{9E81DBB3-E123-8659-7476-E204808E7F3B}"/>
+              </a:ext>
+            </a:extLst>
+          </p:cNvPr>
+          <p:cNvSpPr>
+            <a:spLocks noGrp="1"/>
+          </p:cNvSpPr>
+          <p:nvPr>
+            <p:ph type="body" idx="1"/>
+          </p:nvPr>
+        </p:nvSpPr>
+        <p:spPr/>
+        <p:txBody>
+          <a:bodyPr/>
+          <a:lstStyle/>
+          <a:p>
+            <a:r>
+              <a:rPr lang="cs-CZ" dirty="0"/>
+              <a:t>Substituční x Transpoziční</a:t>
+            </a:r>
+          </a:p>
+        </p:txBody>
+      </p:sp>
+      <p:sp>
+        <p:nvSpPr>
+          <p:cNvPr id="7" name="Zástupný obsah 6">
+            <a:extLst>
+              <a:ext uri="{FF2B5EF4-FFF2-40B4-BE49-F238E27FC236}">
+                <a16:creationId xmlns:a16="http://schemas.microsoft.com/office/drawing/2014/main" id="{E3671E3C-00FA-E07B-E3AF-F515161AF33F}"/>
+              </a:ext>
+            </a:extLst>
+          </p:cNvPr>
+          <p:cNvSpPr>
+            <a:spLocks noGrp="1"/>
+          </p:cNvSpPr>
+          <p:nvPr>
+            <p:ph sz="half" idx="2"/>
+          </p:nvPr>
+        </p:nvSpPr>
+        <p:spPr/>
+        <p:txBody>
+          <a:bodyPr/>
+          <a:lstStyle/>
+          <a:p>
+            <a:pPr>
+              <a:buFont typeface="Wingdings" panose="05000000000000000000" pitchFamily="2" charset="2"/>
+              <a:buChar char="v"/>
+            </a:pPr>
+            <a:r>
+              <a:rPr lang="cs-CZ" dirty="0"/>
+              <a:t>Substituční = Písmena se mění v jiná na základě algoritmu</a:t>
+            </a:r>
+            <a:br>
+              <a:rPr lang="cs-CZ" dirty="0"/>
+            </a:br>
+            <a:r>
+              <a:rPr lang="cs-CZ" dirty="0"/>
+              <a:t>-př. Caesarova šifra</a:t>
+            </a:r>
+          </a:p>
+          <a:p>
+            <a:pPr>
+              <a:buFont typeface="Wingdings" panose="05000000000000000000" pitchFamily="2" charset="2"/>
+              <a:buChar char="v"/>
+            </a:pPr>
+            <a:r>
+              <a:rPr lang="cs-CZ" dirty="0"/>
+              <a:t>Transpoziční = Písmena zůstávají stejná, ale mění se jejich pořadí</a:t>
+            </a:r>
+            <a:br>
+              <a:rPr lang="cs-CZ" dirty="0"/>
+            </a:br>
+            <a:r>
+              <a:rPr lang="cs-CZ" dirty="0"/>
+              <a:t>-př. ahoj -</a:t>
+            </a:r>
+            <a:r>
+              <a:rPr lang="en-US" dirty="0"/>
+              <a:t>&gt;</a:t>
+            </a:r>
+            <a:r>
+              <a:rPr lang="cs-CZ" dirty="0"/>
+              <a:t> </a:t>
+            </a:r>
+            <a:r>
+              <a:rPr lang="cs-CZ" dirty="0" err="1"/>
+              <a:t>joha</a:t>
+            </a:r>
+            <a:endParaRPr lang="cs-CZ" dirty="0"/>
+          </a:p>
+        </p:txBody>
+      </p:sp>
+      <p:sp>
+        <p:nvSpPr>
+          <p:cNvPr id="8" name="Zástupný text 7">
+            <a:extLst>
+              <a:ext uri="{FF2B5EF4-FFF2-40B4-BE49-F238E27FC236}">
+                <a16:creationId xmlns:a16="http://schemas.microsoft.com/office/drawing/2014/main" id="{6DFFC429-2FA4-DC24-8E75-19037E90F0E1}"/>
+              </a:ext>
+            </a:extLst>
+          </p:cNvPr>
+          <p:cNvSpPr>
+            <a:spLocks noGrp="1"/>
+          </p:cNvSpPr>
+          <p:nvPr>
+            <p:ph type="body" sz="quarter" idx="3"/>
+          </p:nvPr>
+        </p:nvSpPr>
+        <p:spPr/>
+        <p:txBody>
+          <a:bodyPr/>
+          <a:lstStyle/>
+          <a:p>
+            <a:r>
+              <a:rPr lang="cs-CZ" dirty="0"/>
+              <a:t>Symetrická x Asymetrická</a:t>
+            </a:r>
+          </a:p>
+        </p:txBody>
+      </p:sp>
+      <p:sp>
+        <p:nvSpPr>
+          <p:cNvPr id="9" name="Zástupný obsah 8">
+            <a:extLst>
+              <a:ext uri="{FF2B5EF4-FFF2-40B4-BE49-F238E27FC236}">
+                <a16:creationId xmlns:a16="http://schemas.microsoft.com/office/drawing/2014/main" id="{19A495DF-54E7-8611-25CD-8821F3787AD1}"/>
+              </a:ext>
+            </a:extLst>
+          </p:cNvPr>
+          <p:cNvSpPr>
+            <a:spLocks noGrp="1"/>
+          </p:cNvSpPr>
+          <p:nvPr>
+            <p:ph sz="quarter" idx="4"/>
+          </p:nvPr>
+        </p:nvSpPr>
+        <p:spPr/>
+        <p:txBody>
+          <a:bodyPr/>
+          <a:lstStyle/>
+          <a:p>
+            <a:pPr>
+              <a:buFont typeface="Wingdings" panose="05000000000000000000" pitchFamily="2" charset="2"/>
+              <a:buChar char="v"/>
+            </a:pPr>
+            <a:r>
+              <a:rPr lang="cs-CZ" dirty="0"/>
+              <a:t>Symetrická = šifrování i dešifrování stejným klíčem</a:t>
+            </a:r>
+            <a:br>
+              <a:rPr lang="cs-CZ" dirty="0"/>
+            </a:br>
+            <a:r>
+              <a:rPr lang="cs-CZ" dirty="0"/>
+              <a:t>-př. Caesarova šifra</a:t>
+            </a:r>
+          </a:p>
+          <a:p>
+            <a:pPr>
+              <a:buFont typeface="Wingdings" panose="05000000000000000000" pitchFamily="2" charset="2"/>
+              <a:buChar char="v"/>
+            </a:pPr>
+            <a:r>
+              <a:rPr lang="cs-CZ" dirty="0"/>
+              <a:t>Asymetrická = šifrování jedním, dešifrování druhým klíčem</a:t>
+            </a:r>
+            <a:br>
+              <a:rPr lang="cs-CZ" dirty="0"/>
+            </a:br>
+            <a:r>
+              <a:rPr lang="cs-CZ" dirty="0"/>
+              <a:t>-nejde dešifrovat stejným klíčem, jakým jsem zašifroval</a:t>
+            </a:r>
+          </a:p>
+        </p:txBody>
+      </p:sp>
+    </p:spTree>
+    <p:extLst>
+      <p:ext uri="{BB962C8B-B14F-4D97-AF65-F5344CB8AC3E}">
+        <p14:creationId xmlns:p14="http://schemas.microsoft.com/office/powerpoint/2010/main" val="3517044954"/>
+      </p:ext>
+    </p:extLst>
+  </p:cSld>
+  <p:clrMapOvr>
+    <a:masterClrMapping/>
+  </p:clrMapOvr>
+  <p:transition spd="slow">
+    <p:push dir="u"/>
+  </p:transition>
+</p:sld>
+</file>
+
+<file path=ppt/slides/slide8.xml><?xml version="1.0" encoding="utf-8"?>
+<p:sld xmlns:a="http://schemas.openxmlformats.org/drawingml/2006/main" xmlns:r="http://schemas.openxmlformats.org/officeDocument/2006/relationships" xmlns:p="http://schemas.openxmlformats.org/presentationml/2006/main">
+  <p:cSld>
+    <p:spTree>
+      <p:nvGrpSpPr>
+        <p:cNvPr id="1" name=""/>
+        <p:cNvGrpSpPr/>
+        <p:nvPr/>
+      </p:nvGrpSpPr>
+      <p:grpSpPr>
+        <a:xfrm>
+          <a:off x="0" y="0"/>
+          <a:ext cx="0" cy="0"/>
+          <a:chOff x="0" y="0"/>
+          <a:chExt cx="0" cy="0"/>
+        </a:xfrm>
+      </p:grpSpPr>
+      <p:sp>
+        <p:nvSpPr>
+          <p:cNvPr id="7" name="Nadpis 6">
+            <a:extLst>
+              <a:ext uri="{FF2B5EF4-FFF2-40B4-BE49-F238E27FC236}">
+                <a16:creationId xmlns:a16="http://schemas.microsoft.com/office/drawing/2014/main" id="{2A38BE0A-51F9-EA52-E2A8-99722D5502C4}"/>
+              </a:ext>
+            </a:extLst>
+          </p:cNvPr>
+          <p:cNvSpPr>
+            <a:spLocks noGrp="1"/>
+          </p:cNvSpPr>
+          <p:nvPr>
+            <p:ph type="title"/>
+          </p:nvPr>
+        </p:nvSpPr>
+        <p:spPr/>
+        <p:txBody>
+          <a:bodyPr/>
+          <a:lstStyle/>
+          <a:p>
+            <a:r>
+              <a:rPr lang="cs-CZ" dirty="0"/>
+              <a:t>Asymetrická kryptografie - princip</a:t>
+            </a:r>
+          </a:p>
+        </p:txBody>
+      </p:sp>
+      <p:sp>
+        <p:nvSpPr>
+          <p:cNvPr id="8" name="Zástupný obsah 7">
+            <a:extLst>
+              <a:ext uri="{FF2B5EF4-FFF2-40B4-BE49-F238E27FC236}">
+                <a16:creationId xmlns:a16="http://schemas.microsoft.com/office/drawing/2014/main" id="{AD87A7F4-2C41-5B8B-10B2-3291C06D6AA7}"/>
+              </a:ext>
+            </a:extLst>
+          </p:cNvPr>
+          <p:cNvSpPr>
+            <a:spLocks noGrp="1"/>
+          </p:cNvSpPr>
+          <p:nvPr>
+            <p:ph idx="1"/>
+          </p:nvPr>
+        </p:nvSpPr>
+        <p:spPr/>
+        <p:txBody>
+          <a:bodyPr/>
+          <a:lstStyle/>
+          <a:p>
+            <a:r>
+              <a:rPr lang="cs-CZ" dirty="0"/>
+              <a:t>DÁT PRÁZDNÝ SNÍMEK A UDĚLAT ALICE+BOB</a:t>
+            </a:r>
+          </a:p>
+        </p:txBody>
+      </p:sp>
+    </p:spTree>
+    <p:extLst>
+      <p:ext uri="{BB962C8B-B14F-4D97-AF65-F5344CB8AC3E}">
+        <p14:creationId xmlns:p14="http://schemas.microsoft.com/office/powerpoint/2010/main" val="380319652"/>
+      </p:ext>
+    </p:extLst>
+  </p:cSld>
+  <p:clrMapOvr>
+    <a:masterClrMapping/>
+  </p:clrMapOvr>
+  <p:transition spd="slow">
+    <p:push dir="u"/>
+  </p:transition>
+</p:sld>
+</file>
+
+<file path=ppt/slides/slide9.xml><?xml version="1.0" encoding="utf-8"?>
+<p:sld xmlns:a="http://schemas.openxmlformats.org/drawingml/2006/main" xmlns:r="http://schemas.openxmlformats.org/officeDocument/2006/relationships" xmlns:p="http://schemas.openxmlformats.org/presentationml/2006/main">
+  <p:cSld>
+    <p:spTree>
+      <p:nvGrpSpPr>
+        <p:cNvPr id="1" name=""/>
+        <p:cNvGrpSpPr/>
+        <p:nvPr/>
+      </p:nvGrpSpPr>
+      <p:grpSpPr>
+        <a:xfrm>
+          <a:off x="0" y="0"/>
+          <a:ext cx="0" cy="0"/>
+          <a:chOff x="0" y="0"/>
+          <a:chExt cx="0" cy="0"/>
+        </a:xfrm>
+      </p:grpSpPr>
+      <p:sp>
+        <p:nvSpPr>
+          <p:cNvPr id="2" name="Nadpis 1">
+            <a:extLst>
+              <a:ext uri="{FF2B5EF4-FFF2-40B4-BE49-F238E27FC236}">
+                <a16:creationId xmlns:a16="http://schemas.microsoft.com/office/drawing/2014/main" id="{85E75097-1820-F4F0-8023-F486555D13FF}"/>
+              </a:ext>
+            </a:extLst>
+          </p:cNvPr>
+          <p:cNvSpPr>
+            <a:spLocks noGrp="1"/>
+          </p:cNvSpPr>
+          <p:nvPr>
+            <p:ph type="title"/>
+          </p:nvPr>
+        </p:nvSpPr>
+        <p:spPr/>
+        <p:txBody>
+          <a:bodyPr/>
+          <a:lstStyle/>
+          <a:p>
+            <a:r>
+              <a:rPr lang="cs-CZ" dirty="0"/>
+              <a:t>Pár slov o </a:t>
+            </a:r>
+            <a:r>
+              <a:rPr lang="cs-CZ" dirty="0" err="1"/>
+              <a:t>hashích</a:t>
+            </a:r>
+            <a:endParaRPr lang="cs-CZ" dirty="0"/>
+          </a:p>
+        </p:txBody>
+      </p:sp>
+      <p:sp>
+        <p:nvSpPr>
+          <p:cNvPr id="3" name="Zástupný obsah 2">
+            <a:extLst>
+              <a:ext uri="{FF2B5EF4-FFF2-40B4-BE49-F238E27FC236}">
+                <a16:creationId xmlns:a16="http://schemas.microsoft.com/office/drawing/2014/main" id="{4B0C9779-47D6-3980-F0EB-649DB0284224}"/>
+              </a:ext>
+            </a:extLst>
+          </p:cNvPr>
+          <p:cNvSpPr>
+            <a:spLocks noGrp="1"/>
+          </p:cNvSpPr>
+          <p:nvPr>
+            <p:ph idx="1"/>
+          </p:nvPr>
+        </p:nvSpPr>
+        <p:spPr/>
+        <p:txBody>
+          <a:bodyPr/>
+          <a:lstStyle/>
+          <a:p>
+            <a:pPr>
+              <a:buFont typeface="Wingdings" panose="05000000000000000000" pitchFamily="2" charset="2"/>
+              <a:buChar char="v"/>
+            </a:pPr>
+            <a:endParaRPr lang="cs-CZ" dirty="0"/>
+          </a:p>
+        </p:txBody>
+      </p:sp>
+    </p:spTree>
+    <p:extLst>
+      <p:ext uri="{BB962C8B-B14F-4D97-AF65-F5344CB8AC3E}">
+        <p14:creationId xmlns:p14="http://schemas.microsoft.com/office/powerpoint/2010/main" val="1955086012"/>
       </p:ext>
     </p:extLst>
   </p:cSld>
@@ -4450,4 +8626,299 @@
     </a:ext>
   </a:extLst>
 </a:theme>
+</file>
+
+<file path=ppt/theme/theme2.xml><?xml version="1.0" encoding="utf-8"?>
+<a:theme xmlns:a="http://schemas.openxmlformats.org/drawingml/2006/main" name="Motiv Office">
+  <a:themeElements>
+    <a:clrScheme name="Office">
+      <a:dk1>
+        <a:sysClr val="windowText" lastClr="000000"/>
+      </a:dk1>
+      <a:lt1>
+        <a:sysClr val="window" lastClr="FFFFFF"/>
+      </a:lt1>
+      <a:dk2>
+        <a:srgbClr val="44546A"/>
+      </a:dk2>
+      <a:lt2>
+        <a:srgbClr val="E7E6E6"/>
+      </a:lt2>
+      <a:accent1>
+        <a:srgbClr val="4472C4"/>
+      </a:accent1>
+      <a:accent2>
+        <a:srgbClr val="ED7D31"/>
+      </a:accent2>
+      <a:accent3>
+        <a:srgbClr val="A5A5A5"/>
+      </a:accent3>
+      <a:accent4>
+        <a:srgbClr val="FFC000"/>
+      </a:accent4>
+      <a:accent5>
+        <a:srgbClr val="5B9BD5"/>
+      </a:accent5>
+      <a:accent6>
+        <a:srgbClr val="70AD47"/>
+      </a:accent6>
+      <a:hlink>
+        <a:srgbClr val="0563C1"/>
+      </a:hlink>
+      <a:folHlink>
+        <a:srgbClr val="954F72"/>
+      </a:folHlink>
+    </a:clrScheme>
+    <a:fontScheme name="Office">
+      <a:majorFont>
+        <a:latin typeface="Calibri Light" panose="020F0302020204030204"/>
+        <a:ea typeface=""/>
+        <a:cs typeface=""/>
+        <a:font script="Jpan" typeface="游ゴシック Light"/>
+        <a:font script="Hang" typeface="맑은 고딕"/>
+        <a:font script="Hans" typeface="等线 Light"/>
+        <a:font script="Hant" typeface="新細明體"/>
+        <a:font script="Arab" typeface="Times New Roman"/>
+        <a:font script="Hebr" typeface="Times New Roman"/>
+        <a:font script="Thai" typeface="Angsana New"/>
+        <a:font script="Ethi" typeface="Nyala"/>
+        <a:font script="Beng" typeface="Vrinda"/>
+        <a:font script="Gujr" typeface="Shruti"/>
+        <a:font script="Khmr" typeface="MoolBoran"/>
+        <a:font script="Knda" typeface="Tunga"/>
+        <a:font script="Guru" typeface="Raavi"/>
+        <a:font script="Cans" typeface="Euphemia"/>
+        <a:font script="Cher" typeface="Plantagenet Cherokee"/>
+        <a:font script="Yiii" typeface="Microsoft Yi Baiti"/>
+        <a:font script="Tibt" typeface="Microsoft Himalaya"/>
+        <a:font script="Thaa" typeface="MV Boli"/>
+        <a:font script="Deva" typeface="Mangal"/>
+        <a:font script="Telu" typeface="Gautami"/>
+        <a:font script="Taml" typeface="Latha"/>
+        <a:font script="Syrc" typeface="Estrangelo Edessa"/>
+        <a:font script="Orya" typeface="Kalinga"/>
+        <a:font script="Mlym" typeface="Kartika"/>
+        <a:font script="Laoo" typeface="DokChampa"/>
+        <a:font script="Sinh" typeface="Iskoola Pota"/>
+        <a:font script="Mong" typeface="Mongolian Baiti"/>
+        <a:font script="Viet" typeface="Times New Roman"/>
+        <a:font script="Uigh" typeface="Microsoft Uighur"/>
+        <a:font script="Geor" typeface="Sylfaen"/>
+        <a:font script="Armn" typeface="Arial"/>
+        <a:font script="Bugi" typeface="Leelawadee UI"/>
+        <a:font script="Bopo" typeface="Microsoft JhengHei"/>
+        <a:font script="Java" typeface="Javanese Text"/>
+        <a:font script="Lisu" typeface="Segoe UI"/>
+        <a:font script="Mymr" typeface="Myanmar Text"/>
+        <a:font script="Nkoo" typeface="Ebrima"/>
+        <a:font script="Olck" typeface="Nirmala UI"/>
+        <a:font script="Osma" typeface="Ebrima"/>
+        <a:font script="Phag" typeface="Phagspa"/>
+        <a:font script="Syrn" typeface="Estrangelo Edessa"/>
+        <a:font script="Syrj" typeface="Estrangelo Edessa"/>
+        <a:font script="Syre" typeface="Estrangelo Edessa"/>
+        <a:font script="Sora" typeface="Nirmala UI"/>
+        <a:font script="Tale" typeface="Microsoft Tai Le"/>
+        <a:font script="Talu" typeface="Microsoft New Tai Lue"/>
+        <a:font script="Tfng" typeface="Ebrima"/>
+      </a:majorFont>
+      <a:minorFont>
+        <a:latin typeface="Calibri" panose="020F0502020204030204"/>
+        <a:ea typeface=""/>
+        <a:cs typeface=""/>
+        <a:font script="Jpan" typeface="游ゴシック"/>
+        <a:font script="Hang" typeface="맑은 고딕"/>
+        <a:font script="Hans" typeface="等线"/>
+        <a:font script="Hant" typeface="新細明體"/>
+        <a:font script="Arab" typeface="Arial"/>
+        <a:font script="Hebr" typeface="Arial"/>
+        <a:font script="Thai" typeface="Cordia New"/>
+        <a:font script="Ethi" typeface="Nyala"/>
+        <a:font script="Beng" typeface="Vrinda"/>
+        <a:font script="Gujr" typeface="Shruti"/>
+        <a:font script="Khmr" typeface="DaunPenh"/>
+        <a:font script="Knda" typeface="Tunga"/>
+        <a:font script="Guru" typeface="Raavi"/>
+        <a:font script="Cans" typeface="Euphemia"/>
+        <a:font script="Cher" typeface="Plantagenet Cherokee"/>
+        <a:font script="Yiii" typeface="Microsoft Yi Baiti"/>
+        <a:font script="Tibt" typeface="Microsoft Himalaya"/>
+        <a:font script="Thaa" typeface="MV Boli"/>
+        <a:font script="Deva" typeface="Mangal"/>
+        <a:font script="Telu" typeface="Gautami"/>
+        <a:font script="Taml" typeface="Latha"/>
+        <a:font script="Syrc" typeface="Estrangelo Edessa"/>
+        <a:font script="Orya" typeface="Kalinga"/>
+        <a:font script="Mlym" typeface="Kartika"/>
+        <a:font script="Laoo" typeface="DokChampa"/>
+        <a:font script="Sinh" typeface="Iskoola Pota"/>
+        <a:font script="Mong" typeface="Mongolian Baiti"/>
+        <a:font script="Viet" typeface="Arial"/>
+        <a:font script="Uigh" typeface="Microsoft Uighur"/>
+        <a:font script="Geor" typeface="Sylfaen"/>
+        <a:font script="Armn" typeface="Arial"/>
+        <a:font script="Bugi" typeface="Leelawadee UI"/>
+        <a:font script="Bopo" typeface="Microsoft JhengHei"/>
+        <a:font script="Java" typeface="Javanese Text"/>
+        <a:font script="Lisu" typeface="Segoe UI"/>
+        <a:font script="Mymr" typeface="Myanmar Text"/>
+        <a:font script="Nkoo" typeface="Ebrima"/>
+        <a:font script="Olck" typeface="Nirmala UI"/>
+        <a:font script="Osma" typeface="Ebrima"/>
+        <a:font script="Phag" typeface="Phagspa"/>
+        <a:font script="Syrn" typeface="Estrangelo Edessa"/>
+        <a:font script="Syrj" typeface="Estrangelo Edessa"/>
+        <a:font script="Syre" typeface="Estrangelo Edessa"/>
+        <a:font script="Sora" typeface="Nirmala UI"/>
+        <a:font script="Tale" typeface="Microsoft Tai Le"/>
+        <a:font script="Talu" typeface="Microsoft New Tai Lue"/>
+        <a:font script="Tfng" typeface="Ebrima"/>
+      </a:minorFont>
+    </a:fontScheme>
+    <a:fmtScheme name="Office">
+      <a:fillStyleLst>
+        <a:solidFill>
+          <a:schemeClr val="phClr"/>
+        </a:solidFill>
+        <a:gradFill rotWithShape="1">
+          <a:gsLst>
+            <a:gs pos="0">
+              <a:schemeClr val="phClr">
+                <a:lumMod val="110000"/>
+                <a:satMod val="105000"/>
+                <a:tint val="67000"/>
+              </a:schemeClr>
+            </a:gs>
+            <a:gs pos="50000">
+              <a:schemeClr val="phClr">
+                <a:lumMod val="105000"/>
+                <a:satMod val="103000"/>
+                <a:tint val="73000"/>
+              </a:schemeClr>
+            </a:gs>
+            <a:gs pos="100000">
+              <a:schemeClr val="phClr">
+                <a:lumMod val="105000"/>
+                <a:satMod val="109000"/>
+                <a:tint val="81000"/>
+              </a:schemeClr>
+            </a:gs>
+          </a:gsLst>
+          <a:lin ang="5400000" scaled="0"/>
+        </a:gradFill>
+        <a:gradFill rotWithShape="1">
+          <a:gsLst>
+            <a:gs pos="0">
+              <a:schemeClr val="phClr">
+                <a:satMod val="103000"/>
+                <a:lumMod val="102000"/>
+                <a:tint val="94000"/>
+              </a:schemeClr>
+            </a:gs>
+            <a:gs pos="50000">
+              <a:schemeClr val="phClr">
+                <a:satMod val="110000"/>
+                <a:lumMod val="100000"/>
+                <a:shade val="100000"/>
+              </a:schemeClr>
+            </a:gs>
+            <a:gs pos="100000">
+              <a:schemeClr val="phClr">
+                <a:lumMod val="99000"/>
+                <a:satMod val="120000"/>
+                <a:shade val="78000"/>
+              </a:schemeClr>
+            </a:gs>
+          </a:gsLst>
+          <a:lin ang="5400000" scaled="0"/>
+        </a:gradFill>
+      </a:fillStyleLst>
+      <a:lnStyleLst>
+        <a:ln w="6350" cap="flat" cmpd="sng" algn="ctr">
+          <a:solidFill>
+            <a:schemeClr val="phClr"/>
+          </a:solidFill>
+          <a:prstDash val="solid"/>
+          <a:miter lim="800000"/>
+        </a:ln>
+        <a:ln w="12700" cap="flat" cmpd="sng" algn="ctr">
+          <a:solidFill>
+            <a:schemeClr val="phClr"/>
+          </a:solidFill>
+          <a:prstDash val="solid"/>
+          <a:miter lim="800000"/>
+        </a:ln>
+        <a:ln w="19050" cap="flat" cmpd="sng" algn="ctr">
+          <a:solidFill>
+            <a:schemeClr val="phClr"/>
+          </a:solidFill>
+          <a:prstDash val="solid"/>
+          <a:miter lim="800000"/>
+        </a:ln>
+      </a:lnStyleLst>
+      <a:effectStyleLst>
+        <a:effectStyle>
+          <a:effectLst/>
+        </a:effectStyle>
+        <a:effectStyle>
+          <a:effectLst/>
+        </a:effectStyle>
+        <a:effectStyle>
+          <a:effectLst>
+            <a:outerShdw blurRad="57150" dist="19050" dir="5400000" algn="ctr" rotWithShape="0">
+              <a:srgbClr val="000000">
+                <a:alpha val="63000"/>
+              </a:srgbClr>
+            </a:outerShdw>
+          </a:effectLst>
+        </a:effectStyle>
+      </a:effectStyleLst>
+      <a:bgFillStyleLst>
+        <a:solidFill>
+          <a:schemeClr val="phClr"/>
+        </a:solidFill>
+        <a:solidFill>
+          <a:schemeClr val="phClr">
+            <a:tint val="95000"/>
+            <a:satMod val="170000"/>
+          </a:schemeClr>
+        </a:solidFill>
+        <a:gradFill rotWithShape="1">
+          <a:gsLst>
+            <a:gs pos="0">
+              <a:schemeClr val="phClr">
+                <a:tint val="93000"/>
+                <a:satMod val="150000"/>
+                <a:shade val="98000"/>
+                <a:lumMod val="102000"/>
+              </a:schemeClr>
+            </a:gs>
+            <a:gs pos="50000">
+              <a:schemeClr val="phClr">
+                <a:tint val="98000"/>
+                <a:satMod val="130000"/>
+                <a:shade val="90000"/>
+                <a:lumMod val="103000"/>
+              </a:schemeClr>
+            </a:gs>
+            <a:gs pos="100000">
+              <a:schemeClr val="phClr">
+                <a:shade val="63000"/>
+                <a:satMod val="120000"/>
+              </a:schemeClr>
+            </a:gs>
+          </a:gsLst>
+          <a:lin ang="5400000" scaled="0"/>
+        </a:gradFill>
+      </a:bgFillStyleLst>
+    </a:fmtScheme>
+  </a:themeElements>
+  <a:objectDefaults/>
+  <a:extraClrSchemeLst/>
+  <a:extLst>
+    <a:ext uri="{05A4C25C-085E-4340-85A3-A5531E510DB2}">
+      <thm15:themeFamily xmlns:thm15="http://schemas.microsoft.com/office/thememl/2012/main" name="Office Theme" id="{62F939B6-93AF-4DB8-9C6B-D6C7DFDC589F}" vid="{4A3C46E8-61CC-4603-A589-7422A47A8E4A}"/>
+    </a:ext>
+  </a:extLst>
+</a:theme>
 </file>